--- a/iteration3Phase/Iteration 3.pptx
+++ b/iteration3Phase/Iteration 3.pptx
@@ -5,24 +5,25 @@
     <p:sldMasterId id="2147483659" r:id="rId1"/>
   </p:sldMasterIdLst>
   <p:notesMasterIdLst>
-    <p:notesMasterId r:id="rId14"/>
+    <p:notesMasterId r:id="rId15"/>
   </p:notesMasterIdLst>
   <p:handoutMasterIdLst>
-    <p:handoutMasterId r:id="rId15"/>
+    <p:handoutMasterId r:id="rId16"/>
   </p:handoutMasterIdLst>
   <p:sldIdLst>
     <p:sldId id="256" r:id="rId2"/>
     <p:sldId id="257" r:id="rId3"/>
     <p:sldId id="258" r:id="rId4"/>
     <p:sldId id="259" r:id="rId5"/>
-    <p:sldId id="269" r:id="rId6"/>
-    <p:sldId id="261" r:id="rId7"/>
-    <p:sldId id="262" r:id="rId8"/>
-    <p:sldId id="263" r:id="rId9"/>
-    <p:sldId id="264" r:id="rId10"/>
-    <p:sldId id="265" r:id="rId11"/>
-    <p:sldId id="266" r:id="rId12"/>
-    <p:sldId id="267" r:id="rId13"/>
+    <p:sldId id="268" r:id="rId6"/>
+    <p:sldId id="269" r:id="rId7"/>
+    <p:sldId id="271" r:id="rId8"/>
+    <p:sldId id="270" r:id="rId9"/>
+    <p:sldId id="263" r:id="rId10"/>
+    <p:sldId id="264" r:id="rId11"/>
+    <p:sldId id="265" r:id="rId12"/>
+    <p:sldId id="266" r:id="rId13"/>
+    <p:sldId id="267" r:id="rId14"/>
   </p:sldIdLst>
   <p:sldSz cx="9144000" cy="5143500" type="screen16x9"/>
   <p:notesSz cx="6858000" cy="9144000"/>
@@ -257,7 +258,7 @@
   </p:defaultTextStyle>
   <p:extLst>
     <p:ext uri="{EFAFB233-063F-42B5-8137-9DF3F51BA10A}">
-      <p15:sldGuideLst xmlns:p15="http://schemas.microsoft.com/office/powerpoint/2012/main" xmlns:p14="http://schemas.microsoft.com/office/powerpoint/2010/main" xmlns:com="http://schemas.openxmlformats.org/drawingml/2006/compatibility" xmlns:pvml="urn:schemas-microsoft-com:office:powerpoint" xmlns:v="urn:schemas-microsoft-com:vml" xmlns:o="urn:schemas-microsoft-com:office:office" xmlns:dgm="http://schemas.openxmlformats.org/drawingml/2006/diagram" xmlns:c="http://schemas.openxmlformats.org/drawingml/2006/chart" xmlns:mv="urn:schemas-microsoft-com:mac:vml" xmlns:mc="http://schemas.openxmlformats.org/markup-compatibility/2006" xmlns="">
+      <p15:sldGuideLst xmlns:p15="http://schemas.microsoft.com/office/powerpoint/2012/main">
         <p15:guide id="1" orient="horz" pos="1620">
           <p15:clr>
             <a:srgbClr val="A4A3A4"/>
@@ -989,318 +990,6 @@
 </p:notes>
 </file>
 
-<file path=ppt/notesSlides/notesSlide10.xml><?xml version="1.0" encoding="utf-8"?>
-<p:notes xmlns:a="http://schemas.openxmlformats.org/drawingml/2006/main" xmlns:r="http://schemas.openxmlformats.org/officeDocument/2006/relationships" xmlns:p="http://schemas.openxmlformats.org/presentationml/2006/main" showMasterSp="0" showMasterPhAnim="0">
-  <p:cSld>
-    <p:spTree>
-      <p:nvGrpSpPr>
-        <p:cNvPr id="1" name="Shape 189"/>
-        <p:cNvGrpSpPr/>
-        <p:nvPr/>
-      </p:nvGrpSpPr>
-      <p:grpSpPr>
-        <a:xfrm>
-          <a:off x="0" y="0"/>
-          <a:ext cx="0" cy="0"/>
-          <a:chOff x="0" y="0"/>
-          <a:chExt cx="0" cy="0"/>
-        </a:xfrm>
-      </p:grpSpPr>
-      <p:sp>
-        <p:nvSpPr>
-          <p:cNvPr id="190" name="Google Shape;190;g45a80eeda3_0_166:notes"/>
-          <p:cNvSpPr>
-            <a:spLocks noGrp="1" noRot="1" noChangeAspect="1"/>
-          </p:cNvSpPr>
-          <p:nvPr>
-            <p:ph type="sldImg" idx="2"/>
-          </p:nvPr>
-        </p:nvSpPr>
-        <p:spPr>
-          <a:xfrm>
-            <a:off x="381000" y="685800"/>
-            <a:ext cx="6096000" cy="3429000"/>
-          </a:xfrm>
-          <a:custGeom>
-            <a:avLst/>
-            <a:gdLst/>
-            <a:ahLst/>
-            <a:cxnLst/>
-            <a:rect l="l" t="t" r="r" b="b"/>
-            <a:pathLst>
-              <a:path w="120000" h="120000" extrusionOk="0">
-                <a:moveTo>
-                  <a:pt x="0" y="0"/>
-                </a:moveTo>
-                <a:lnTo>
-                  <a:pt x="120000" y="0"/>
-                </a:lnTo>
-                <a:lnTo>
-                  <a:pt x="120000" y="120000"/>
-                </a:lnTo>
-                <a:lnTo>
-                  <a:pt x="0" y="120000"/>
-                </a:lnTo>
-                <a:close/>
-              </a:path>
-            </a:pathLst>
-          </a:custGeom>
-        </p:spPr>
-      </p:sp>
-      <p:sp>
-        <p:nvSpPr>
-          <p:cNvPr id="191" name="Google Shape;191;g45a80eeda3_0_166:notes"/>
-          <p:cNvSpPr txBox="1">
-            <a:spLocks noGrp="1"/>
-          </p:cNvSpPr>
-          <p:nvPr>
-            <p:ph type="body" idx="1"/>
-          </p:nvPr>
-        </p:nvSpPr>
-        <p:spPr>
-          <a:xfrm>
-            <a:off x="685800" y="4343400"/>
-            <a:ext cx="5486400" cy="4114800"/>
-          </a:xfrm>
-          <a:prstGeom prst="rect">
-            <a:avLst/>
-          </a:prstGeom>
-        </p:spPr>
-        <p:txBody>
-          <a:bodyPr spcFirstLastPara="1" wrap="square" lIns="91425" tIns="91425" rIns="91425" bIns="91425" anchor="t" anchorCtr="0">
-            <a:noAutofit/>
-          </a:bodyPr>
-          <a:lstStyle/>
-          <a:p>
-            <a:pPr marL="0" lvl="0" indent="0" algn="l" rtl="0">
-              <a:spcBef>
-                <a:spcPts val="0"/>
-              </a:spcBef>
-              <a:spcAft>
-                <a:spcPts val="0"/>
-              </a:spcAft>
-              <a:buNone/>
-            </a:pPr>
-            <a:endParaRPr/>
-          </a:p>
-        </p:txBody>
-      </p:sp>
-    </p:spTree>
-  </p:cSld>
-  <p:clrMapOvr>
-    <a:masterClrMapping/>
-  </p:clrMapOvr>
-</p:notes>
-</file>
-
-<file path=ppt/notesSlides/notesSlide11.xml><?xml version="1.0" encoding="utf-8"?>
-<p:notes xmlns:a="http://schemas.openxmlformats.org/drawingml/2006/main" xmlns:r="http://schemas.openxmlformats.org/officeDocument/2006/relationships" xmlns:p="http://schemas.openxmlformats.org/presentationml/2006/main" showMasterSp="0" showMasterPhAnim="0">
-  <p:cSld>
-    <p:spTree>
-      <p:nvGrpSpPr>
-        <p:cNvPr id="1" name="Shape 196"/>
-        <p:cNvGrpSpPr/>
-        <p:nvPr/>
-      </p:nvGrpSpPr>
-      <p:grpSpPr>
-        <a:xfrm>
-          <a:off x="0" y="0"/>
-          <a:ext cx="0" cy="0"/>
-          <a:chOff x="0" y="0"/>
-          <a:chExt cx="0" cy="0"/>
-        </a:xfrm>
-      </p:grpSpPr>
-      <p:sp>
-        <p:nvSpPr>
-          <p:cNvPr id="197" name="Google Shape;197;g45a80eeda3_0_189:notes"/>
-          <p:cNvSpPr>
-            <a:spLocks noGrp="1" noRot="1" noChangeAspect="1"/>
-          </p:cNvSpPr>
-          <p:nvPr>
-            <p:ph type="sldImg" idx="2"/>
-          </p:nvPr>
-        </p:nvSpPr>
-        <p:spPr>
-          <a:xfrm>
-            <a:off x="381000" y="685800"/>
-            <a:ext cx="6096000" cy="3429000"/>
-          </a:xfrm>
-          <a:custGeom>
-            <a:avLst/>
-            <a:gdLst/>
-            <a:ahLst/>
-            <a:cxnLst/>
-            <a:rect l="l" t="t" r="r" b="b"/>
-            <a:pathLst>
-              <a:path w="120000" h="120000" extrusionOk="0">
-                <a:moveTo>
-                  <a:pt x="0" y="0"/>
-                </a:moveTo>
-                <a:lnTo>
-                  <a:pt x="120000" y="0"/>
-                </a:lnTo>
-                <a:lnTo>
-                  <a:pt x="120000" y="120000"/>
-                </a:lnTo>
-                <a:lnTo>
-                  <a:pt x="0" y="120000"/>
-                </a:lnTo>
-                <a:close/>
-              </a:path>
-            </a:pathLst>
-          </a:custGeom>
-        </p:spPr>
-      </p:sp>
-      <p:sp>
-        <p:nvSpPr>
-          <p:cNvPr id="198" name="Google Shape;198;g45a80eeda3_0_189:notes"/>
-          <p:cNvSpPr txBox="1">
-            <a:spLocks noGrp="1"/>
-          </p:cNvSpPr>
-          <p:nvPr>
-            <p:ph type="body" idx="1"/>
-          </p:nvPr>
-        </p:nvSpPr>
-        <p:spPr>
-          <a:xfrm>
-            <a:off x="685800" y="4343400"/>
-            <a:ext cx="5486400" cy="4114800"/>
-          </a:xfrm>
-          <a:prstGeom prst="rect">
-            <a:avLst/>
-          </a:prstGeom>
-        </p:spPr>
-        <p:txBody>
-          <a:bodyPr spcFirstLastPara="1" wrap="square" lIns="91425" tIns="91425" rIns="91425" bIns="91425" anchor="t" anchorCtr="0">
-            <a:noAutofit/>
-          </a:bodyPr>
-          <a:lstStyle/>
-          <a:p>
-            <a:pPr marL="0" lvl="0" indent="0" algn="l" rtl="0">
-              <a:spcBef>
-                <a:spcPts val="0"/>
-              </a:spcBef>
-              <a:spcAft>
-                <a:spcPts val="0"/>
-              </a:spcAft>
-              <a:buNone/>
-            </a:pPr>
-            <a:endParaRPr/>
-          </a:p>
-        </p:txBody>
-      </p:sp>
-    </p:spTree>
-  </p:cSld>
-  <p:clrMapOvr>
-    <a:masterClrMapping/>
-  </p:clrMapOvr>
-</p:notes>
-</file>
-
-<file path=ppt/notesSlides/notesSlide12.xml><?xml version="1.0" encoding="utf-8"?>
-<p:notes xmlns:a="http://schemas.openxmlformats.org/drawingml/2006/main" xmlns:r="http://schemas.openxmlformats.org/officeDocument/2006/relationships" xmlns:p="http://schemas.openxmlformats.org/presentationml/2006/main" showMasterSp="0" showMasterPhAnim="0">
-  <p:cSld>
-    <p:spTree>
-      <p:nvGrpSpPr>
-        <p:cNvPr id="1" name="Shape 202"/>
-        <p:cNvGrpSpPr/>
-        <p:nvPr/>
-      </p:nvGrpSpPr>
-      <p:grpSpPr>
-        <a:xfrm>
-          <a:off x="0" y="0"/>
-          <a:ext cx="0" cy="0"/>
-          <a:chOff x="0" y="0"/>
-          <a:chExt cx="0" cy="0"/>
-        </a:xfrm>
-      </p:grpSpPr>
-      <p:sp>
-        <p:nvSpPr>
-          <p:cNvPr id="203" name="Google Shape;203;g45a80eeda3_0_179:notes"/>
-          <p:cNvSpPr>
-            <a:spLocks noGrp="1" noRot="1" noChangeAspect="1"/>
-          </p:cNvSpPr>
-          <p:nvPr>
-            <p:ph type="sldImg" idx="2"/>
-          </p:nvPr>
-        </p:nvSpPr>
-        <p:spPr>
-          <a:xfrm>
-            <a:off x="381000" y="685800"/>
-            <a:ext cx="6096000" cy="3429000"/>
-          </a:xfrm>
-          <a:custGeom>
-            <a:avLst/>
-            <a:gdLst/>
-            <a:ahLst/>
-            <a:cxnLst/>
-            <a:rect l="l" t="t" r="r" b="b"/>
-            <a:pathLst>
-              <a:path w="120000" h="120000" extrusionOk="0">
-                <a:moveTo>
-                  <a:pt x="0" y="0"/>
-                </a:moveTo>
-                <a:lnTo>
-                  <a:pt x="120000" y="0"/>
-                </a:lnTo>
-                <a:lnTo>
-                  <a:pt x="120000" y="120000"/>
-                </a:lnTo>
-                <a:lnTo>
-                  <a:pt x="0" y="120000"/>
-                </a:lnTo>
-                <a:close/>
-              </a:path>
-            </a:pathLst>
-          </a:custGeom>
-        </p:spPr>
-      </p:sp>
-      <p:sp>
-        <p:nvSpPr>
-          <p:cNvPr id="204" name="Google Shape;204;g45a80eeda3_0_179:notes"/>
-          <p:cNvSpPr txBox="1">
-            <a:spLocks noGrp="1"/>
-          </p:cNvSpPr>
-          <p:nvPr>
-            <p:ph type="body" idx="1"/>
-          </p:nvPr>
-        </p:nvSpPr>
-        <p:spPr>
-          <a:xfrm>
-            <a:off x="685800" y="4343400"/>
-            <a:ext cx="5486400" cy="4114800"/>
-          </a:xfrm>
-          <a:prstGeom prst="rect">
-            <a:avLst/>
-          </a:prstGeom>
-        </p:spPr>
-        <p:txBody>
-          <a:bodyPr spcFirstLastPara="1" wrap="square" lIns="91425" tIns="91425" rIns="91425" bIns="91425" anchor="t" anchorCtr="0">
-            <a:noAutofit/>
-          </a:bodyPr>
-          <a:lstStyle/>
-          <a:p>
-            <a:pPr marL="0" lvl="0" indent="0" algn="l" rtl="0">
-              <a:spcBef>
-                <a:spcPts val="0"/>
-              </a:spcBef>
-              <a:spcAft>
-                <a:spcPts val="0"/>
-              </a:spcAft>
-              <a:buNone/>
-            </a:pPr>
-            <a:endParaRPr/>
-          </a:p>
-        </p:txBody>
-      </p:sp>
-    </p:spTree>
-  </p:cSld>
-  <p:clrMapOvr>
-    <a:masterClrMapping/>
-  </p:clrMapOvr>
-</p:notes>
-</file>
-
 <file path=ppt/notesSlides/notesSlide2.xml><?xml version="1.0" encoding="utf-8"?>
 <p:notes xmlns:a="http://schemas.openxmlformats.org/drawingml/2006/main" xmlns:r="http://schemas.openxmlformats.org/officeDocument/2006/relationships" xmlns:p="http://schemas.openxmlformats.org/presentationml/2006/main" showMasterSp="0" showMasterPhAnim="0">
   <p:cSld>
@@ -1618,318 +1307,6 @@
   <p:cSld>
     <p:spTree>
       <p:nvGrpSpPr>
-        <p:cNvPr id="1" name="Shape 157"/>
-        <p:cNvGrpSpPr/>
-        <p:nvPr/>
-      </p:nvGrpSpPr>
-      <p:grpSpPr>
-        <a:xfrm>
-          <a:off x="0" y="0"/>
-          <a:ext cx="0" cy="0"/>
-          <a:chOff x="0" y="0"/>
-          <a:chExt cx="0" cy="0"/>
-        </a:xfrm>
-      </p:grpSpPr>
-      <p:sp>
-        <p:nvSpPr>
-          <p:cNvPr id="158" name="Google Shape;158;g45b6e89a21_0_0:notes"/>
-          <p:cNvSpPr>
-            <a:spLocks noGrp="1" noRot="1" noChangeAspect="1"/>
-          </p:cNvSpPr>
-          <p:nvPr>
-            <p:ph type="sldImg" idx="2"/>
-          </p:nvPr>
-        </p:nvSpPr>
-        <p:spPr>
-          <a:xfrm>
-            <a:off x="381000" y="685800"/>
-            <a:ext cx="6096000" cy="3429000"/>
-          </a:xfrm>
-          <a:custGeom>
-            <a:avLst/>
-            <a:gdLst/>
-            <a:ahLst/>
-            <a:cxnLst/>
-            <a:rect l="l" t="t" r="r" b="b"/>
-            <a:pathLst>
-              <a:path w="120000" h="120000" extrusionOk="0">
-                <a:moveTo>
-                  <a:pt x="0" y="0"/>
-                </a:moveTo>
-                <a:lnTo>
-                  <a:pt x="120000" y="0"/>
-                </a:lnTo>
-                <a:lnTo>
-                  <a:pt x="120000" y="120000"/>
-                </a:lnTo>
-                <a:lnTo>
-                  <a:pt x="0" y="120000"/>
-                </a:lnTo>
-                <a:close/>
-              </a:path>
-            </a:pathLst>
-          </a:custGeom>
-        </p:spPr>
-      </p:sp>
-      <p:sp>
-        <p:nvSpPr>
-          <p:cNvPr id="159" name="Google Shape;159;g45b6e89a21_0_0:notes"/>
-          <p:cNvSpPr txBox="1">
-            <a:spLocks noGrp="1"/>
-          </p:cNvSpPr>
-          <p:nvPr>
-            <p:ph type="body" idx="1"/>
-          </p:nvPr>
-        </p:nvSpPr>
-        <p:spPr>
-          <a:xfrm>
-            <a:off x="685800" y="4343400"/>
-            <a:ext cx="5486400" cy="4114800"/>
-          </a:xfrm>
-          <a:prstGeom prst="rect">
-            <a:avLst/>
-          </a:prstGeom>
-        </p:spPr>
-        <p:txBody>
-          <a:bodyPr spcFirstLastPara="1" wrap="square" lIns="91425" tIns="91425" rIns="91425" bIns="91425" anchor="t" anchorCtr="0">
-            <a:noAutofit/>
-          </a:bodyPr>
-          <a:lstStyle/>
-          <a:p>
-            <a:pPr marL="0" lvl="0" indent="0" algn="l" rtl="0">
-              <a:spcBef>
-                <a:spcPts val="0"/>
-              </a:spcBef>
-              <a:spcAft>
-                <a:spcPts val="0"/>
-              </a:spcAft>
-              <a:buNone/>
-            </a:pPr>
-            <a:endParaRPr/>
-          </a:p>
-        </p:txBody>
-      </p:sp>
-    </p:spTree>
-  </p:cSld>
-  <p:clrMapOvr>
-    <a:masterClrMapping/>
-  </p:clrMapOvr>
-</p:notes>
-</file>
-
-<file path=ppt/notesSlides/notesSlide6.xml><?xml version="1.0" encoding="utf-8"?>
-<p:notes xmlns:a="http://schemas.openxmlformats.org/drawingml/2006/main" xmlns:r="http://schemas.openxmlformats.org/officeDocument/2006/relationships" xmlns:p="http://schemas.openxmlformats.org/presentationml/2006/main" showMasterSp="0" showMasterPhAnim="0">
-  <p:cSld>
-    <p:spTree>
-      <p:nvGrpSpPr>
-        <p:cNvPr id="1" name="Shape 163"/>
-        <p:cNvGrpSpPr/>
-        <p:nvPr/>
-      </p:nvGrpSpPr>
-      <p:grpSpPr>
-        <a:xfrm>
-          <a:off x="0" y="0"/>
-          <a:ext cx="0" cy="0"/>
-          <a:chOff x="0" y="0"/>
-          <a:chExt cx="0" cy="0"/>
-        </a:xfrm>
-      </p:grpSpPr>
-      <p:sp>
-        <p:nvSpPr>
-          <p:cNvPr id="164" name="Google Shape;164;g45b3b7f969_0_2:notes"/>
-          <p:cNvSpPr>
-            <a:spLocks noGrp="1" noRot="1" noChangeAspect="1"/>
-          </p:cNvSpPr>
-          <p:nvPr>
-            <p:ph type="sldImg" idx="2"/>
-          </p:nvPr>
-        </p:nvSpPr>
-        <p:spPr>
-          <a:xfrm>
-            <a:off x="381000" y="685800"/>
-            <a:ext cx="6096000" cy="3429000"/>
-          </a:xfrm>
-          <a:custGeom>
-            <a:avLst/>
-            <a:gdLst/>
-            <a:ahLst/>
-            <a:cxnLst/>
-            <a:rect l="l" t="t" r="r" b="b"/>
-            <a:pathLst>
-              <a:path w="120000" h="120000" extrusionOk="0">
-                <a:moveTo>
-                  <a:pt x="0" y="0"/>
-                </a:moveTo>
-                <a:lnTo>
-                  <a:pt x="120000" y="0"/>
-                </a:lnTo>
-                <a:lnTo>
-                  <a:pt x="120000" y="120000"/>
-                </a:lnTo>
-                <a:lnTo>
-                  <a:pt x="0" y="120000"/>
-                </a:lnTo>
-                <a:close/>
-              </a:path>
-            </a:pathLst>
-          </a:custGeom>
-        </p:spPr>
-      </p:sp>
-      <p:sp>
-        <p:nvSpPr>
-          <p:cNvPr id="165" name="Google Shape;165;g45b3b7f969_0_2:notes"/>
-          <p:cNvSpPr txBox="1">
-            <a:spLocks noGrp="1"/>
-          </p:cNvSpPr>
-          <p:nvPr>
-            <p:ph type="body" idx="1"/>
-          </p:nvPr>
-        </p:nvSpPr>
-        <p:spPr>
-          <a:xfrm>
-            <a:off x="685800" y="4343400"/>
-            <a:ext cx="5486400" cy="4114800"/>
-          </a:xfrm>
-          <a:prstGeom prst="rect">
-            <a:avLst/>
-          </a:prstGeom>
-        </p:spPr>
-        <p:txBody>
-          <a:bodyPr spcFirstLastPara="1" wrap="square" lIns="91425" tIns="91425" rIns="91425" bIns="91425" anchor="t" anchorCtr="0">
-            <a:noAutofit/>
-          </a:bodyPr>
-          <a:lstStyle/>
-          <a:p>
-            <a:pPr marL="0" lvl="0" indent="0" algn="l" rtl="0">
-              <a:spcBef>
-                <a:spcPts val="0"/>
-              </a:spcBef>
-              <a:spcAft>
-                <a:spcPts val="0"/>
-              </a:spcAft>
-              <a:buNone/>
-            </a:pPr>
-            <a:endParaRPr/>
-          </a:p>
-        </p:txBody>
-      </p:sp>
-    </p:spTree>
-  </p:cSld>
-  <p:clrMapOvr>
-    <a:masterClrMapping/>
-  </p:clrMapOvr>
-</p:notes>
-</file>
-
-<file path=ppt/notesSlides/notesSlide7.xml><?xml version="1.0" encoding="utf-8"?>
-<p:notes xmlns:a="http://schemas.openxmlformats.org/drawingml/2006/main" xmlns:r="http://schemas.openxmlformats.org/officeDocument/2006/relationships" xmlns:p="http://schemas.openxmlformats.org/presentationml/2006/main" showMasterSp="0" showMasterPhAnim="0">
-  <p:cSld>
-    <p:spTree>
-      <p:nvGrpSpPr>
-        <p:cNvPr id="1" name="Shape 169"/>
-        <p:cNvGrpSpPr/>
-        <p:nvPr/>
-      </p:nvGrpSpPr>
-      <p:grpSpPr>
-        <a:xfrm>
-          <a:off x="0" y="0"/>
-          <a:ext cx="0" cy="0"/>
-          <a:chOff x="0" y="0"/>
-          <a:chExt cx="0" cy="0"/>
-        </a:xfrm>
-      </p:grpSpPr>
-      <p:sp>
-        <p:nvSpPr>
-          <p:cNvPr id="170" name="Google Shape;170;g45b3b7f969_0_10:notes"/>
-          <p:cNvSpPr>
-            <a:spLocks noGrp="1" noRot="1" noChangeAspect="1"/>
-          </p:cNvSpPr>
-          <p:nvPr>
-            <p:ph type="sldImg" idx="2"/>
-          </p:nvPr>
-        </p:nvSpPr>
-        <p:spPr>
-          <a:xfrm>
-            <a:off x="381000" y="685800"/>
-            <a:ext cx="6096000" cy="3429000"/>
-          </a:xfrm>
-          <a:custGeom>
-            <a:avLst/>
-            <a:gdLst/>
-            <a:ahLst/>
-            <a:cxnLst/>
-            <a:rect l="l" t="t" r="r" b="b"/>
-            <a:pathLst>
-              <a:path w="120000" h="120000" extrusionOk="0">
-                <a:moveTo>
-                  <a:pt x="0" y="0"/>
-                </a:moveTo>
-                <a:lnTo>
-                  <a:pt x="120000" y="0"/>
-                </a:lnTo>
-                <a:lnTo>
-                  <a:pt x="120000" y="120000"/>
-                </a:lnTo>
-                <a:lnTo>
-                  <a:pt x="0" y="120000"/>
-                </a:lnTo>
-                <a:close/>
-              </a:path>
-            </a:pathLst>
-          </a:custGeom>
-        </p:spPr>
-      </p:sp>
-      <p:sp>
-        <p:nvSpPr>
-          <p:cNvPr id="171" name="Google Shape;171;g45b3b7f969_0_10:notes"/>
-          <p:cNvSpPr txBox="1">
-            <a:spLocks noGrp="1"/>
-          </p:cNvSpPr>
-          <p:nvPr>
-            <p:ph type="body" idx="1"/>
-          </p:nvPr>
-        </p:nvSpPr>
-        <p:spPr>
-          <a:xfrm>
-            <a:off x="685800" y="4343400"/>
-            <a:ext cx="5486400" cy="4114800"/>
-          </a:xfrm>
-          <a:prstGeom prst="rect">
-            <a:avLst/>
-          </a:prstGeom>
-        </p:spPr>
-        <p:txBody>
-          <a:bodyPr spcFirstLastPara="1" wrap="square" lIns="91425" tIns="91425" rIns="91425" bIns="91425" anchor="t" anchorCtr="0">
-            <a:noAutofit/>
-          </a:bodyPr>
-          <a:lstStyle/>
-          <a:p>
-            <a:pPr marL="0" lvl="0" indent="0" algn="l" rtl="0">
-              <a:spcBef>
-                <a:spcPts val="0"/>
-              </a:spcBef>
-              <a:spcAft>
-                <a:spcPts val="0"/>
-              </a:spcAft>
-              <a:buNone/>
-            </a:pPr>
-            <a:endParaRPr/>
-          </a:p>
-        </p:txBody>
-      </p:sp>
-    </p:spTree>
-  </p:cSld>
-  <p:clrMapOvr>
-    <a:masterClrMapping/>
-  </p:clrMapOvr>
-</p:notes>
-</file>
-
-<file path=ppt/notesSlides/notesSlide8.xml><?xml version="1.0" encoding="utf-8"?>
-<p:notes xmlns:a="http://schemas.openxmlformats.org/drawingml/2006/main" xmlns:r="http://schemas.openxmlformats.org/officeDocument/2006/relationships" xmlns:p="http://schemas.openxmlformats.org/presentationml/2006/main" showMasterSp="0" showMasterPhAnim="0">
-  <p:cSld>
-    <p:spTree>
-      <p:nvGrpSpPr>
         <p:cNvPr id="1" name="Shape 175"/>
         <p:cNvGrpSpPr/>
         <p:nvPr/>
@@ -2029,7 +1406,7 @@
 </p:notes>
 </file>
 
-<file path=ppt/notesSlides/notesSlide9.xml><?xml version="1.0" encoding="utf-8"?>
+<file path=ppt/notesSlides/notesSlide6.xml><?xml version="1.0" encoding="utf-8"?>
 <p:notes xmlns:a="http://schemas.openxmlformats.org/drawingml/2006/main" xmlns:r="http://schemas.openxmlformats.org/officeDocument/2006/relationships" xmlns:p="http://schemas.openxmlformats.org/presentationml/2006/main" showMasterSp="0" showMasterPhAnim="0">
   <p:cSld>
     <p:spTree>
@@ -2090,6 +1467,318 @@
       <p:sp>
         <p:nvSpPr>
           <p:cNvPr id="183" name="Google Shape;183;g45a80eeda3_0_154:notes"/>
+          <p:cNvSpPr txBox="1">
+            <a:spLocks noGrp="1"/>
+          </p:cNvSpPr>
+          <p:nvPr>
+            <p:ph type="body" idx="1"/>
+          </p:nvPr>
+        </p:nvSpPr>
+        <p:spPr>
+          <a:xfrm>
+            <a:off x="685800" y="4343400"/>
+            <a:ext cx="5486400" cy="4114800"/>
+          </a:xfrm>
+          <a:prstGeom prst="rect">
+            <a:avLst/>
+          </a:prstGeom>
+        </p:spPr>
+        <p:txBody>
+          <a:bodyPr spcFirstLastPara="1" wrap="square" lIns="91425" tIns="91425" rIns="91425" bIns="91425" anchor="t" anchorCtr="0">
+            <a:noAutofit/>
+          </a:bodyPr>
+          <a:lstStyle/>
+          <a:p>
+            <a:pPr marL="0" lvl="0" indent="0" algn="l" rtl="0">
+              <a:spcBef>
+                <a:spcPts val="0"/>
+              </a:spcBef>
+              <a:spcAft>
+                <a:spcPts val="0"/>
+              </a:spcAft>
+              <a:buNone/>
+            </a:pPr>
+            <a:endParaRPr/>
+          </a:p>
+        </p:txBody>
+      </p:sp>
+    </p:spTree>
+  </p:cSld>
+  <p:clrMapOvr>
+    <a:masterClrMapping/>
+  </p:clrMapOvr>
+</p:notes>
+</file>
+
+<file path=ppt/notesSlides/notesSlide7.xml><?xml version="1.0" encoding="utf-8"?>
+<p:notes xmlns:a="http://schemas.openxmlformats.org/drawingml/2006/main" xmlns:r="http://schemas.openxmlformats.org/officeDocument/2006/relationships" xmlns:p="http://schemas.openxmlformats.org/presentationml/2006/main" showMasterSp="0" showMasterPhAnim="0">
+  <p:cSld>
+    <p:spTree>
+      <p:nvGrpSpPr>
+        <p:cNvPr id="1" name="Shape 189"/>
+        <p:cNvGrpSpPr/>
+        <p:nvPr/>
+      </p:nvGrpSpPr>
+      <p:grpSpPr>
+        <a:xfrm>
+          <a:off x="0" y="0"/>
+          <a:ext cx="0" cy="0"/>
+          <a:chOff x="0" y="0"/>
+          <a:chExt cx="0" cy="0"/>
+        </a:xfrm>
+      </p:grpSpPr>
+      <p:sp>
+        <p:nvSpPr>
+          <p:cNvPr id="190" name="Google Shape;190;g45a80eeda3_0_166:notes"/>
+          <p:cNvSpPr>
+            <a:spLocks noGrp="1" noRot="1" noChangeAspect="1"/>
+          </p:cNvSpPr>
+          <p:nvPr>
+            <p:ph type="sldImg" idx="2"/>
+          </p:nvPr>
+        </p:nvSpPr>
+        <p:spPr>
+          <a:xfrm>
+            <a:off x="381000" y="685800"/>
+            <a:ext cx="6096000" cy="3429000"/>
+          </a:xfrm>
+          <a:custGeom>
+            <a:avLst/>
+            <a:gdLst/>
+            <a:ahLst/>
+            <a:cxnLst/>
+            <a:rect l="l" t="t" r="r" b="b"/>
+            <a:pathLst>
+              <a:path w="120000" h="120000" extrusionOk="0">
+                <a:moveTo>
+                  <a:pt x="0" y="0"/>
+                </a:moveTo>
+                <a:lnTo>
+                  <a:pt x="120000" y="0"/>
+                </a:lnTo>
+                <a:lnTo>
+                  <a:pt x="120000" y="120000"/>
+                </a:lnTo>
+                <a:lnTo>
+                  <a:pt x="0" y="120000"/>
+                </a:lnTo>
+                <a:close/>
+              </a:path>
+            </a:pathLst>
+          </a:custGeom>
+        </p:spPr>
+      </p:sp>
+      <p:sp>
+        <p:nvSpPr>
+          <p:cNvPr id="191" name="Google Shape;191;g45a80eeda3_0_166:notes"/>
+          <p:cNvSpPr txBox="1">
+            <a:spLocks noGrp="1"/>
+          </p:cNvSpPr>
+          <p:nvPr>
+            <p:ph type="body" idx="1"/>
+          </p:nvPr>
+        </p:nvSpPr>
+        <p:spPr>
+          <a:xfrm>
+            <a:off x="685800" y="4343400"/>
+            <a:ext cx="5486400" cy="4114800"/>
+          </a:xfrm>
+          <a:prstGeom prst="rect">
+            <a:avLst/>
+          </a:prstGeom>
+        </p:spPr>
+        <p:txBody>
+          <a:bodyPr spcFirstLastPara="1" wrap="square" lIns="91425" tIns="91425" rIns="91425" bIns="91425" anchor="t" anchorCtr="0">
+            <a:noAutofit/>
+          </a:bodyPr>
+          <a:lstStyle/>
+          <a:p>
+            <a:pPr marL="0" lvl="0" indent="0" algn="l" rtl="0">
+              <a:spcBef>
+                <a:spcPts val="0"/>
+              </a:spcBef>
+              <a:spcAft>
+                <a:spcPts val="0"/>
+              </a:spcAft>
+              <a:buNone/>
+            </a:pPr>
+            <a:endParaRPr/>
+          </a:p>
+        </p:txBody>
+      </p:sp>
+    </p:spTree>
+  </p:cSld>
+  <p:clrMapOvr>
+    <a:masterClrMapping/>
+  </p:clrMapOvr>
+</p:notes>
+</file>
+
+<file path=ppt/notesSlides/notesSlide8.xml><?xml version="1.0" encoding="utf-8"?>
+<p:notes xmlns:a="http://schemas.openxmlformats.org/drawingml/2006/main" xmlns:r="http://schemas.openxmlformats.org/officeDocument/2006/relationships" xmlns:p="http://schemas.openxmlformats.org/presentationml/2006/main" showMasterSp="0" showMasterPhAnim="0">
+  <p:cSld>
+    <p:spTree>
+      <p:nvGrpSpPr>
+        <p:cNvPr id="1" name="Shape 196"/>
+        <p:cNvGrpSpPr/>
+        <p:nvPr/>
+      </p:nvGrpSpPr>
+      <p:grpSpPr>
+        <a:xfrm>
+          <a:off x="0" y="0"/>
+          <a:ext cx="0" cy="0"/>
+          <a:chOff x="0" y="0"/>
+          <a:chExt cx="0" cy="0"/>
+        </a:xfrm>
+      </p:grpSpPr>
+      <p:sp>
+        <p:nvSpPr>
+          <p:cNvPr id="197" name="Google Shape;197;g45a80eeda3_0_189:notes"/>
+          <p:cNvSpPr>
+            <a:spLocks noGrp="1" noRot="1" noChangeAspect="1"/>
+          </p:cNvSpPr>
+          <p:nvPr>
+            <p:ph type="sldImg" idx="2"/>
+          </p:nvPr>
+        </p:nvSpPr>
+        <p:spPr>
+          <a:xfrm>
+            <a:off x="381000" y="685800"/>
+            <a:ext cx="6096000" cy="3429000"/>
+          </a:xfrm>
+          <a:custGeom>
+            <a:avLst/>
+            <a:gdLst/>
+            <a:ahLst/>
+            <a:cxnLst/>
+            <a:rect l="l" t="t" r="r" b="b"/>
+            <a:pathLst>
+              <a:path w="120000" h="120000" extrusionOk="0">
+                <a:moveTo>
+                  <a:pt x="0" y="0"/>
+                </a:moveTo>
+                <a:lnTo>
+                  <a:pt x="120000" y="0"/>
+                </a:lnTo>
+                <a:lnTo>
+                  <a:pt x="120000" y="120000"/>
+                </a:lnTo>
+                <a:lnTo>
+                  <a:pt x="0" y="120000"/>
+                </a:lnTo>
+                <a:close/>
+              </a:path>
+            </a:pathLst>
+          </a:custGeom>
+        </p:spPr>
+      </p:sp>
+      <p:sp>
+        <p:nvSpPr>
+          <p:cNvPr id="198" name="Google Shape;198;g45a80eeda3_0_189:notes"/>
+          <p:cNvSpPr txBox="1">
+            <a:spLocks noGrp="1"/>
+          </p:cNvSpPr>
+          <p:nvPr>
+            <p:ph type="body" idx="1"/>
+          </p:nvPr>
+        </p:nvSpPr>
+        <p:spPr>
+          <a:xfrm>
+            <a:off x="685800" y="4343400"/>
+            <a:ext cx="5486400" cy="4114800"/>
+          </a:xfrm>
+          <a:prstGeom prst="rect">
+            <a:avLst/>
+          </a:prstGeom>
+        </p:spPr>
+        <p:txBody>
+          <a:bodyPr spcFirstLastPara="1" wrap="square" lIns="91425" tIns="91425" rIns="91425" bIns="91425" anchor="t" anchorCtr="0">
+            <a:noAutofit/>
+          </a:bodyPr>
+          <a:lstStyle/>
+          <a:p>
+            <a:pPr marL="0" lvl="0" indent="0" algn="l" rtl="0">
+              <a:spcBef>
+                <a:spcPts val="0"/>
+              </a:spcBef>
+              <a:spcAft>
+                <a:spcPts val="0"/>
+              </a:spcAft>
+              <a:buNone/>
+            </a:pPr>
+            <a:endParaRPr/>
+          </a:p>
+        </p:txBody>
+      </p:sp>
+    </p:spTree>
+  </p:cSld>
+  <p:clrMapOvr>
+    <a:masterClrMapping/>
+  </p:clrMapOvr>
+</p:notes>
+</file>
+
+<file path=ppt/notesSlides/notesSlide9.xml><?xml version="1.0" encoding="utf-8"?>
+<p:notes xmlns:a="http://schemas.openxmlformats.org/drawingml/2006/main" xmlns:r="http://schemas.openxmlformats.org/officeDocument/2006/relationships" xmlns:p="http://schemas.openxmlformats.org/presentationml/2006/main" showMasterSp="0" showMasterPhAnim="0">
+  <p:cSld>
+    <p:spTree>
+      <p:nvGrpSpPr>
+        <p:cNvPr id="1" name="Shape 202"/>
+        <p:cNvGrpSpPr/>
+        <p:nvPr/>
+      </p:nvGrpSpPr>
+      <p:grpSpPr>
+        <a:xfrm>
+          <a:off x="0" y="0"/>
+          <a:ext cx="0" cy="0"/>
+          <a:chOff x="0" y="0"/>
+          <a:chExt cx="0" cy="0"/>
+        </a:xfrm>
+      </p:grpSpPr>
+      <p:sp>
+        <p:nvSpPr>
+          <p:cNvPr id="203" name="Google Shape;203;g45a80eeda3_0_179:notes"/>
+          <p:cNvSpPr>
+            <a:spLocks noGrp="1" noRot="1" noChangeAspect="1"/>
+          </p:cNvSpPr>
+          <p:nvPr>
+            <p:ph type="sldImg" idx="2"/>
+          </p:nvPr>
+        </p:nvSpPr>
+        <p:spPr>
+          <a:xfrm>
+            <a:off x="381000" y="685800"/>
+            <a:ext cx="6096000" cy="3429000"/>
+          </a:xfrm>
+          <a:custGeom>
+            <a:avLst/>
+            <a:gdLst/>
+            <a:ahLst/>
+            <a:cxnLst/>
+            <a:rect l="l" t="t" r="r" b="b"/>
+            <a:pathLst>
+              <a:path w="120000" h="120000" extrusionOk="0">
+                <a:moveTo>
+                  <a:pt x="0" y="0"/>
+                </a:moveTo>
+                <a:lnTo>
+                  <a:pt x="120000" y="0"/>
+                </a:lnTo>
+                <a:lnTo>
+                  <a:pt x="120000" y="120000"/>
+                </a:lnTo>
+                <a:lnTo>
+                  <a:pt x="0" y="120000"/>
+                </a:lnTo>
+                <a:close/>
+              </a:path>
+            </a:pathLst>
+          </a:custGeom>
+        </p:spPr>
+      </p:sp>
+      <p:sp>
+        <p:nvSpPr>
+          <p:cNvPr id="204" name="Google Shape;204;g45a80eeda3_0_179:notes"/>
           <p:cNvSpPr txBox="1">
             <a:spLocks noGrp="1"/>
           </p:cNvSpPr>
@@ -10327,7 +10016,7 @@
   <p:timing>
     <p:tnLst>
       <p:par>
-        <p:cTn xmlns:p14="http://schemas.microsoft.com/office/powerpoint/2010/main" id="1" dur="indefinite" restart="never" nodeType="tmRoot"/>
+        <p:cTn id="1" dur="indefinite" restart="never" nodeType="tmRoot"/>
       </p:par>
     </p:tnLst>
   </p:timing>
@@ -10335,6 +10024,278 @@
 </file>
 
 <file path=ppt/slides/slide10.xml><?xml version="1.0" encoding="utf-8"?>
+<p:sld xmlns:a="http://schemas.openxmlformats.org/drawingml/2006/main" xmlns:r="http://schemas.openxmlformats.org/officeDocument/2006/relationships" xmlns:p="http://schemas.openxmlformats.org/presentationml/2006/main">
+  <p:cSld>
+    <p:spTree>
+      <p:nvGrpSpPr>
+        <p:cNvPr id="1" name="Shape 184"/>
+        <p:cNvGrpSpPr/>
+        <p:nvPr/>
+      </p:nvGrpSpPr>
+      <p:grpSpPr>
+        <a:xfrm>
+          <a:off x="0" y="0"/>
+          <a:ext cx="0" cy="0"/>
+          <a:chOff x="0" y="0"/>
+          <a:chExt cx="0" cy="0"/>
+        </a:xfrm>
+      </p:grpSpPr>
+      <p:sp>
+        <p:nvSpPr>
+          <p:cNvPr id="185" name="Google Shape;185;p21"/>
+          <p:cNvSpPr txBox="1">
+            <a:spLocks noGrp="1"/>
+          </p:cNvSpPr>
+          <p:nvPr>
+            <p:ph type="title"/>
+          </p:nvPr>
+        </p:nvSpPr>
+        <p:spPr>
+          <a:xfrm>
+            <a:off x="1297500" y="393750"/>
+            <a:ext cx="7038900" cy="914100"/>
+          </a:xfrm>
+          <a:prstGeom prst="rect">
+            <a:avLst/>
+          </a:prstGeom>
+        </p:spPr>
+        <p:txBody>
+          <a:bodyPr spcFirstLastPara="1" wrap="square" lIns="91425" tIns="91425" rIns="91425" bIns="91425" anchor="t" anchorCtr="0">
+            <a:noAutofit/>
+          </a:bodyPr>
+          <a:lstStyle/>
+          <a:p>
+            <a:pPr marL="0" lvl="0" indent="0" algn="l" rtl="0">
+              <a:spcBef>
+                <a:spcPts val="0"/>
+              </a:spcBef>
+              <a:spcAft>
+                <a:spcPts val="0"/>
+              </a:spcAft>
+              <a:buNone/>
+            </a:pPr>
+            <a:r>
+              <a:rPr lang="en"/>
+              <a:t>Addressing the Review Team</a:t>
+            </a:r>
+            <a:endParaRPr/>
+          </a:p>
+        </p:txBody>
+      </p:sp>
+      <p:sp>
+        <p:nvSpPr>
+          <p:cNvPr id="186" name="Google Shape;186;p21"/>
+          <p:cNvSpPr txBox="1">
+            <a:spLocks noGrp="1"/>
+          </p:cNvSpPr>
+          <p:nvPr>
+            <p:ph type="body" idx="1"/>
+          </p:nvPr>
+        </p:nvSpPr>
+        <p:spPr>
+          <a:xfrm>
+            <a:off x="1108550" y="1380100"/>
+            <a:ext cx="3403200" cy="2911200"/>
+          </a:xfrm>
+          <a:prstGeom prst="rect">
+            <a:avLst/>
+          </a:prstGeom>
+        </p:spPr>
+        <p:txBody>
+          <a:bodyPr spcFirstLastPara="1" wrap="square" lIns="91425" tIns="91425" rIns="91425" bIns="91425" anchor="t" anchorCtr="0">
+            <a:noAutofit/>
+          </a:bodyPr>
+          <a:lstStyle/>
+          <a:p>
+            <a:pPr marL="0" lvl="0" indent="0" algn="l" rtl="0">
+              <a:spcBef>
+                <a:spcPts val="0"/>
+              </a:spcBef>
+              <a:spcAft>
+                <a:spcPts val="0"/>
+              </a:spcAft>
+              <a:buNone/>
+            </a:pPr>
+            <a:r>
+              <a:rPr lang="en" sz="1400">
+                <a:solidFill>
+                  <a:srgbClr val="FFFFFF"/>
+                </a:solidFill>
+                <a:latin typeface="Arial"/>
+                <a:ea typeface="Arial"/>
+                <a:cs typeface="Arial"/>
+                <a:sym typeface="Arial"/>
+              </a:rPr>
+              <a:t>Question 1: This app has features of Text Recognition, which uses Amazon Recognition API, that requires network connectivity. But on documentation, it says, “The app does not rely on network connectivity, everything is done locally in the app.” How would you justify that?</a:t>
+            </a:r>
+            <a:endParaRPr sz="1400">
+              <a:solidFill>
+                <a:srgbClr val="FFFFFF"/>
+              </a:solidFill>
+              <a:latin typeface="Arial"/>
+              <a:ea typeface="Arial"/>
+              <a:cs typeface="Arial"/>
+              <a:sym typeface="Arial"/>
+            </a:endParaRPr>
+          </a:p>
+          <a:p>
+            <a:pPr marL="457200" lvl="0" indent="-317500" algn="l" rtl="0">
+              <a:spcBef>
+                <a:spcPts val="1600"/>
+              </a:spcBef>
+              <a:spcAft>
+                <a:spcPts val="0"/>
+              </a:spcAft>
+              <a:buClr>
+                <a:srgbClr val="FFFFFF"/>
+              </a:buClr>
+              <a:buSzPts val="1400"/>
+              <a:buFont typeface="Arial"/>
+              <a:buChar char="●"/>
+            </a:pPr>
+            <a:r>
+              <a:rPr lang="en" sz="1400">
+                <a:solidFill>
+                  <a:srgbClr val="FFFFFF"/>
+                </a:solidFill>
+                <a:latin typeface="Arial"/>
+                <a:ea typeface="Arial"/>
+                <a:cs typeface="Arial"/>
+                <a:sym typeface="Arial"/>
+              </a:rPr>
+              <a:t>The team is no longer relying on an Amazon's API, they will be creating their own machine learning model through Apple's Core ML technology.</a:t>
+            </a:r>
+            <a:endParaRPr sz="1400">
+              <a:solidFill>
+                <a:srgbClr val="FFFFFF"/>
+              </a:solidFill>
+              <a:latin typeface="Arial"/>
+              <a:ea typeface="Arial"/>
+              <a:cs typeface="Arial"/>
+              <a:sym typeface="Arial"/>
+            </a:endParaRPr>
+          </a:p>
+        </p:txBody>
+      </p:sp>
+      <p:pic>
+        <p:nvPicPr>
+          <p:cNvPr id="187" name="Google Shape;187;p21"/>
+          <p:cNvPicPr preferRelativeResize="0"/>
+          <p:nvPr/>
+        </p:nvPicPr>
+        <p:blipFill>
+          <a:blip r:embed="rId3">
+            <a:alphaModFix/>
+          </a:blip>
+          <a:stretch>
+            <a:fillRect/>
+          </a:stretch>
+        </p:blipFill>
+        <p:spPr>
+          <a:xfrm>
+            <a:off x="4887900" y="1567550"/>
+            <a:ext cx="3989651" cy="2536300"/>
+          </a:xfrm>
+          <a:prstGeom prst="rect">
+            <a:avLst/>
+          </a:prstGeom>
+          <a:noFill/>
+          <a:ln>
+            <a:noFill/>
+          </a:ln>
+        </p:spPr>
+      </p:pic>
+      <p:sp>
+        <p:nvSpPr>
+          <p:cNvPr id="188" name="Google Shape;188;p21"/>
+          <p:cNvSpPr txBox="1"/>
+          <p:nvPr/>
+        </p:nvSpPr>
+        <p:spPr>
+          <a:xfrm>
+            <a:off x="4887900" y="4189650"/>
+            <a:ext cx="3989700" cy="811500"/>
+          </a:xfrm>
+          <a:prstGeom prst="rect">
+            <a:avLst/>
+          </a:prstGeom>
+          <a:noFill/>
+          <a:ln>
+            <a:noFill/>
+          </a:ln>
+        </p:spPr>
+        <p:txBody>
+          <a:bodyPr spcFirstLastPara="1" wrap="square" lIns="91425" tIns="91425" rIns="91425" bIns="91425" anchor="t" anchorCtr="0">
+            <a:noAutofit/>
+          </a:bodyPr>
+          <a:lstStyle/>
+          <a:p>
+            <a:pPr marL="0" lvl="0" indent="0" algn="l" rtl="0">
+              <a:spcBef>
+                <a:spcPts val="0"/>
+              </a:spcBef>
+              <a:spcAft>
+                <a:spcPts val="0"/>
+              </a:spcAft>
+              <a:buNone/>
+            </a:pPr>
+            <a:r>
+              <a:rPr lang="en">
+                <a:solidFill>
+                  <a:srgbClr val="FFFFFF"/>
+                </a:solidFill>
+              </a:rPr>
+              <a:t>(Image 5)</a:t>
+            </a:r>
+            <a:endParaRPr>
+              <a:solidFill>
+                <a:srgbClr val="FFFFFF"/>
+              </a:solidFill>
+            </a:endParaRPr>
+          </a:p>
+        </p:txBody>
+      </p:sp>
+      <p:sp>
+        <p:nvSpPr>
+          <p:cNvPr id="2" name="Slide Number Placeholder 1"/>
+          <p:cNvSpPr>
+            <a:spLocks noGrp="1"/>
+          </p:cNvSpPr>
+          <p:nvPr>
+            <p:ph type="sldNum" idx="12"/>
+          </p:nvPr>
+        </p:nvSpPr>
+        <p:spPr/>
+        <p:txBody>
+          <a:bodyPr/>
+          <a:lstStyle/>
+          <a:p>
+            <a:pPr marL="0" lvl="0" indent="0" algn="r" rtl="0">
+              <a:spcBef>
+                <a:spcPts val="0"/>
+              </a:spcBef>
+              <a:spcAft>
+                <a:spcPts val="0"/>
+              </a:spcAft>
+              <a:buNone/>
+            </a:pPr>
+            <a:fld id="{00000000-1234-1234-1234-123412341234}" type="slidenum">
+              <a:rPr lang="uk-UA" smtClean="0"/>
+              <a:t>10</a:t>
+            </a:fld>
+            <a:endParaRPr lang="uk-UA"/>
+          </a:p>
+        </p:txBody>
+      </p:sp>
+    </p:spTree>
+  </p:cSld>
+  <p:clrMapOvr>
+    <a:masterClrMapping/>
+  </p:clrMapOvr>
+</p:sld>
+</file>
+
+<file path=ppt/slides/slide11.xml><?xml version="1.0" encoding="utf-8"?>
 <p:sld xmlns:a="http://schemas.openxmlformats.org/drawingml/2006/main" xmlns:r="http://schemas.openxmlformats.org/officeDocument/2006/relationships" xmlns:p="http://schemas.openxmlformats.org/presentationml/2006/main">
   <p:cSld>
     <p:spTree>
@@ -10623,7 +10584,7 @@
             </a:pPr>
             <a:fld id="{00000000-1234-1234-1234-123412341234}" type="slidenum">
               <a:rPr lang="uk-UA" smtClean="0"/>
-              <a:t>10</a:t>
+              <a:t>11</a:t>
             </a:fld>
             <a:endParaRPr lang="uk-UA"/>
           </a:p>
@@ -10637,7 +10598,7 @@
 </p:sld>
 </file>
 
-<file path=ppt/slides/slide11.xml><?xml version="1.0" encoding="utf-8"?>
+<file path=ppt/slides/slide12.xml><?xml version="1.0" encoding="utf-8"?>
 <p:sld xmlns:a="http://schemas.openxmlformats.org/drawingml/2006/main" xmlns:r="http://schemas.openxmlformats.org/officeDocument/2006/relationships" xmlns:p="http://schemas.openxmlformats.org/presentationml/2006/main">
   <p:cSld>
     <p:spTree>
@@ -10732,11 +10693,11 @@
               <a:buChar char="●"/>
             </a:pPr>
             <a:r>
-              <a:rPr lang="en"/>
+              <a:rPr lang="en" dirty="0"/>
               <a:t>Modified: </a:t>
             </a:r>
             <a:r>
-              <a:rPr lang="en" u="sng">
+              <a:rPr lang="en" u="sng" dirty="0">
                 <a:solidFill>
                   <a:srgbClr val="7890CD"/>
                 </a:solidFill>
@@ -10745,14 +10706,14 @@
               <a:t>https://pixabay.com/en/nature-green-natural-green-leaves-3337499/</a:t>
             </a:r>
             <a:r>
-              <a:rPr lang="en">
+              <a:rPr lang="en" dirty="0">
                 <a:solidFill>
                   <a:srgbClr val="FFFFFF"/>
                 </a:solidFill>
               </a:rPr>
               <a:t>(Image 1)</a:t>
             </a:r>
-            <a:endParaRPr/>
+            <a:endParaRPr dirty="0"/>
           </a:p>
           <a:p>
             <a:pPr marL="457200" lvl="0" indent="-311150" algn="l" rtl="0">
@@ -10766,7 +10727,7 @@
               <a:buChar char="●"/>
             </a:pPr>
             <a:r>
-              <a:rPr lang="en" u="sng">
+              <a:rPr lang="en" u="sng" dirty="0">
                 <a:solidFill>
                   <a:srgbClr val="7890CD"/>
                 </a:solidFill>
@@ -10775,51 +10736,56 @@
               <a:t>http://www.pcyc.org.au/Clubs/Redlands/Basketball/Juniors.aspx</a:t>
             </a:r>
             <a:r>
-              <a:rPr lang="en">
+              <a:rPr lang="en" dirty="0">
                 <a:solidFill>
                   <a:srgbClr val="FFFFFF"/>
                 </a:solidFill>
               </a:rPr>
-              <a:t> (Image 5)</a:t>
+              <a:t> (Image 5</a:t>
             </a:r>
-            <a:endParaRPr>
+            <a:r>
+              <a:rPr lang="en" dirty="0" smtClean="0">
+                <a:solidFill>
+                  <a:srgbClr val="FFFFFF"/>
+                </a:solidFill>
+              </a:rPr>
+              <a:t>)</a:t>
+            </a:r>
+            <a:endParaRPr lang="en-US" dirty="0" smtClean="0">
               <a:solidFill>
                 <a:srgbClr val="FFFFFF"/>
               </a:solidFill>
             </a:endParaRPr>
           </a:p>
           <a:p>
-            <a:pPr marL="457200" lvl="0" indent="-311150" algn="l" rtl="0">
-              <a:spcBef>
-                <a:spcPts val="0"/>
-              </a:spcBef>
-              <a:spcAft>
-                <a:spcPts val="0"/>
-              </a:spcAft>
-              <a:buClr>
-                <a:srgbClr val="FFFFFF"/>
-              </a:buClr>
-              <a:buSzPts val="1300"/>
-              <a:buChar char="●"/>
-            </a:pPr>
+            <a:pPr lvl="0"/>
             <a:r>
-              <a:rPr lang="en" u="sng">
+              <a:rPr lang="en-US" dirty="0">
                 <a:solidFill>
-                  <a:schemeClr val="hlink"/>
+                  <a:srgbClr val="FFFFFF"/>
                 </a:solidFill>
                 <a:hlinkClick r:id="rId5"/>
               </a:rPr>
-              <a:t>https://www.tensorflow.org/lite/</a:t>
+              <a:t>https://</a:t>
             </a:r>
             <a:r>
-              <a:rPr lang="en">
+              <a:rPr lang="en-US" dirty="0" smtClean="0">
+                <a:solidFill>
+                  <a:srgbClr val="FFFFFF"/>
+                </a:solidFill>
+                <a:hlinkClick r:id="rId5"/>
+              </a:rPr>
+              <a:t>developer.apple.com/documentation/coreml</a:t>
+            </a:r>
+            <a:r>
+              <a:rPr lang="en-US" dirty="0" smtClean="0">
                 <a:solidFill>
                   <a:srgbClr val="FFFFFF"/>
                 </a:solidFill>
               </a:rPr>
-              <a:t>(Image2, Image3, Image4)</a:t>
+              <a:t> (Image 2, 3, 4)</a:t>
             </a:r>
-            <a:endParaRPr>
+            <a:endParaRPr dirty="0">
               <a:solidFill>
                 <a:srgbClr val="FFFFFF"/>
               </a:solidFill>
@@ -10835,7 +10801,7 @@
               </a:spcAft>
               <a:buNone/>
             </a:pPr>
-            <a:endParaRPr/>
+            <a:endParaRPr dirty="0"/>
           </a:p>
         </p:txBody>
       </p:sp>
@@ -10865,7 +10831,7 @@
             </a:pPr>
             <a:fld id="{00000000-1234-1234-1234-123412341234}" type="slidenum">
               <a:rPr lang="uk-UA" smtClean="0"/>
-              <a:t>11</a:t>
+              <a:t>12</a:t>
             </a:fld>
             <a:endParaRPr lang="uk-UA"/>
           </a:p>
@@ -10879,7 +10845,7 @@
 </p:sld>
 </file>
 
-<file path=ppt/slides/slide12.xml><?xml version="1.0" encoding="utf-8"?>
+<file path=ppt/slides/slide13.xml><?xml version="1.0" encoding="utf-8"?>
 <p:sld xmlns:a="http://schemas.openxmlformats.org/drawingml/2006/main" xmlns:r="http://schemas.openxmlformats.org/officeDocument/2006/relationships" xmlns:p="http://schemas.openxmlformats.org/presentationml/2006/main">
   <p:cSld>
     <p:spTree>
@@ -10964,7 +10930,7 @@
             </a:pPr>
             <a:fld id="{00000000-1234-1234-1234-123412341234}" type="slidenum">
               <a:rPr lang="uk-UA" smtClean="0"/>
-              <a:t>12</a:t>
+              <a:t>13</a:t>
             </a:fld>
             <a:endParaRPr lang="uk-UA"/>
           </a:p>
@@ -11221,7 +11187,7 @@
               </a:rPr>
               <a:t>(Image 1)</a:t>
             </a:r>
-            <a:endParaRPr>
+            <a:endParaRPr dirty="0">
               <a:solidFill>
                 <a:srgbClr val="FFFFFF"/>
               </a:solidFill>
@@ -11476,6 +11442,13 @@
   <p:clrMapOvr>
     <a:masterClrMapping/>
   </p:clrMapOvr>
+  <p:timing>
+    <p:tnLst>
+      <p:par>
+        <p:cTn id="1" dur="indefinite" restart="never" nodeType="tmRoot"/>
+      </p:par>
+    </p:tnLst>
+  </p:timing>
 </p:sld>
 </file>
 
@@ -11817,6 +11790,13 @@
   <p:clrMapOvr>
     <a:masterClrMapping/>
   </p:clrMapOvr>
+  <p:timing>
+    <p:tnLst>
+      <p:par>
+        <p:cTn id="1" dur="indefinite" restart="never" nodeType="tmRoot"/>
+      </p:par>
+    </p:tnLst>
+  </p:timing>
 </p:sld>
 </file>
 
@@ -11825,7 +11805,7 @@
   <p:cSld>
     <p:spTree>
       <p:nvGrpSpPr>
-        <p:cNvPr id="1" name="Shape 160"/>
+        <p:cNvPr id="1" name=""/>
         <p:cNvGrpSpPr/>
         <p:nvPr/>
       </p:nvGrpSpPr>
@@ -11837,15 +11817,53 @@
           <a:chExt cx="0" cy="0"/>
         </a:xfrm>
       </p:grpSpPr>
+      <p:sp>
+        <p:nvSpPr>
+          <p:cNvPr id="5" name="Slide Number Placeholder 4"/>
+          <p:cNvSpPr>
+            <a:spLocks noGrp="1"/>
+          </p:cNvSpPr>
+          <p:nvPr>
+            <p:ph type="sldNum" idx="12"/>
+          </p:nvPr>
+        </p:nvSpPr>
+        <p:spPr/>
+        <p:txBody>
+          <a:bodyPr/>
+          <a:lstStyle/>
+          <a:p>
+            <a:pPr marL="0" lvl="0" indent="0" algn="r" rtl="0">
+              <a:spcBef>
+                <a:spcPts val="0"/>
+              </a:spcBef>
+              <a:spcAft>
+                <a:spcPts val="0"/>
+              </a:spcAft>
+              <a:buNone/>
+            </a:pPr>
+            <a:fld id="{00000000-1234-1234-1234-123412341234}" type="slidenum">
+              <a:rPr lang="uk-UA" smtClean="0"/>
+              <a:t>5</a:t>
+            </a:fld>
+            <a:endParaRPr lang="uk-UA"/>
+          </a:p>
+        </p:txBody>
+      </p:sp>
       <p:pic>
         <p:nvPicPr>
-          <p:cNvPr id="161" name="Google Shape;161;p17"/>
-          <p:cNvPicPr preferRelativeResize="0"/>
+          <p:cNvPr id="6" name="Picture 5"/>
+          <p:cNvPicPr>
+            <a:picLocks noChangeAspect="1"/>
+          </p:cNvPicPr>
           <p:nvPr/>
         </p:nvPicPr>
         <p:blipFill>
-          <a:blip r:embed="rId3">
-            <a:alphaModFix/>
+          <a:blip r:embed="rId2">
+            <a:extLst>
+              <a:ext uri="{28A0092B-C50C-407E-A947-70E740481C1C}">
+                <a14:useLocalDpi xmlns:a14="http://schemas.microsoft.com/office/drawing/2010/main" val="0"/>
+              </a:ext>
+            </a:extLst>
           </a:blip>
           <a:stretch>
             <a:fillRect/>
@@ -11853,28 +11871,54 @@
         </p:blipFill>
         <p:spPr>
           <a:xfrm>
-            <a:off x="0" y="1930293"/>
-            <a:ext cx="9144000" cy="1476614"/>
+            <a:off x="1595821" y="245680"/>
+            <a:ext cx="6591300" cy="2159000"/>
           </a:xfrm>
           <a:prstGeom prst="rect">
             <a:avLst/>
           </a:prstGeom>
-          <a:noFill/>
-          <a:ln>
-            <a:noFill/>
-          </a:ln>
+        </p:spPr>
+      </p:pic>
+      <p:pic>
+        <p:nvPicPr>
+          <p:cNvPr id="9" name="Picture 8"/>
+          <p:cNvPicPr>
+            <a:picLocks noChangeAspect="1"/>
+          </p:cNvPicPr>
+          <p:nvPr/>
+        </p:nvPicPr>
+        <p:blipFill>
+          <a:blip r:embed="rId3">
+            <a:extLst>
+              <a:ext uri="{28A0092B-C50C-407E-A947-70E740481C1C}">
+                <a14:useLocalDpi xmlns:a14="http://schemas.microsoft.com/office/drawing/2010/main" val="0"/>
+              </a:ext>
+            </a:extLst>
+          </a:blip>
+          <a:stretch>
+            <a:fillRect/>
+          </a:stretch>
+        </p:blipFill>
+        <p:spPr>
+          <a:xfrm>
+            <a:off x="2160971" y="2593017"/>
+            <a:ext cx="5461000" cy="2463800"/>
+          </a:xfrm>
+          <a:prstGeom prst="rect">
+            <a:avLst/>
+          </a:prstGeom>
         </p:spPr>
       </p:pic>
       <p:sp>
         <p:nvSpPr>
-          <p:cNvPr id="162" name="Google Shape;162;p17"/>
+          <p:cNvPr id="10" name="Google Shape;143;p14"/>
           <p:cNvSpPr txBox="1"/>
           <p:nvPr/>
         </p:nvSpPr>
         <p:spPr>
           <a:xfrm>
-            <a:off x="7951800" y="3406900"/>
-            <a:ext cx="1192200" cy="531900"/>
+            <a:off x="7638125" y="4594013"/>
+            <a:ext cx="2327700" cy="531900"/>
           </a:xfrm>
           <a:prstGeom prst="rect">
             <a:avLst/>
@@ -11900,14 +11944,30 @@
               <a:buNone/>
             </a:pPr>
             <a:r>
-              <a:rPr lang="en">
+              <a:rPr lang="en" dirty="0">
                 <a:solidFill>
                   <a:srgbClr val="FFFFFF"/>
                 </a:solidFill>
               </a:rPr>
-              <a:t>(Image 2)</a:t>
+              <a:t>(Image </a:t>
             </a:r>
-            <a:endParaRPr>
+            <a:r>
+              <a:rPr lang="en-US" dirty="0" smtClean="0">
+                <a:solidFill>
+                  <a:srgbClr val="FFFFFF"/>
+                </a:solidFill>
+              </a:rPr>
+              <a:t>3</a:t>
+            </a:r>
+            <a:r>
+              <a:rPr lang="en" dirty="0" smtClean="0">
+                <a:solidFill>
+                  <a:srgbClr val="FFFFFF"/>
+                </a:solidFill>
+              </a:rPr>
+              <a:t>)</a:t>
+            </a:r>
+            <a:endParaRPr dirty="0">
               <a:solidFill>
                 <a:srgbClr val="FFFFFF"/>
               </a:solidFill>
@@ -11917,104 +11977,14 @@
       </p:sp>
       <p:sp>
         <p:nvSpPr>
-          <p:cNvPr id="2" name="Slide Number Placeholder 1"/>
-          <p:cNvSpPr>
-            <a:spLocks noGrp="1"/>
-          </p:cNvSpPr>
-          <p:nvPr>
-            <p:ph type="sldNum" idx="12"/>
-          </p:nvPr>
-        </p:nvSpPr>
-        <p:spPr/>
-        <p:txBody>
-          <a:bodyPr/>
-          <a:lstStyle/>
-          <a:p>
-            <a:pPr marL="0" lvl="0" indent="0" algn="r" rtl="0">
-              <a:spcBef>
-                <a:spcPts val="0"/>
-              </a:spcBef>
-              <a:spcAft>
-                <a:spcPts val="0"/>
-              </a:spcAft>
-              <a:buNone/>
-            </a:pPr>
-            <a:fld id="{00000000-1234-1234-1234-123412341234}" type="slidenum">
-              <a:rPr lang="uk-UA" smtClean="0"/>
-              <a:t>5</a:t>
-            </a:fld>
-            <a:endParaRPr lang="uk-UA"/>
-          </a:p>
-        </p:txBody>
-      </p:sp>
-    </p:spTree>
-    <p:extLst>
-      <p:ext uri="{BB962C8B-B14F-4D97-AF65-F5344CB8AC3E}">
-        <p14:creationId xmlns:p14="http://schemas.microsoft.com/office/powerpoint/2010/main" val="2282868637"/>
-      </p:ext>
-    </p:extLst>
-  </p:cSld>
-  <p:clrMapOvr>
-    <a:masterClrMapping/>
-  </p:clrMapOvr>
-</p:sld>
-</file>
-
-<file path=ppt/slides/slide6.xml><?xml version="1.0" encoding="utf-8"?>
-<p:sld xmlns:a="http://schemas.openxmlformats.org/drawingml/2006/main" xmlns:r="http://schemas.openxmlformats.org/officeDocument/2006/relationships" xmlns:p="http://schemas.openxmlformats.org/presentationml/2006/main">
-  <p:cSld>
-    <p:spTree>
-      <p:nvGrpSpPr>
-        <p:cNvPr id="1" name="Shape 166"/>
-        <p:cNvGrpSpPr/>
-        <p:nvPr/>
-      </p:nvGrpSpPr>
-      <p:grpSpPr>
-        <a:xfrm>
-          <a:off x="0" y="0"/>
-          <a:ext cx="0" cy="0"/>
-          <a:chOff x="0" y="0"/>
-          <a:chExt cx="0" cy="0"/>
-        </a:xfrm>
-      </p:grpSpPr>
-      <p:pic>
-        <p:nvPicPr>
-          <p:cNvPr id="167" name="Google Shape;167;p18"/>
-          <p:cNvPicPr preferRelativeResize="0"/>
-          <p:nvPr/>
-        </p:nvPicPr>
-        <p:blipFill>
-          <a:blip r:embed="rId3">
-            <a:alphaModFix/>
-          </a:blip>
-          <a:stretch>
-            <a:fillRect/>
-          </a:stretch>
-        </p:blipFill>
-        <p:spPr>
-          <a:xfrm>
-            <a:off x="0" y="1517287"/>
-            <a:ext cx="9144003" cy="2402426"/>
-          </a:xfrm>
-          <a:prstGeom prst="rect">
-            <a:avLst/>
-          </a:prstGeom>
-          <a:noFill/>
-          <a:ln>
-            <a:noFill/>
-          </a:ln>
-        </p:spPr>
-      </p:pic>
-      <p:sp>
-        <p:nvSpPr>
-          <p:cNvPr id="168" name="Google Shape;168;p18"/>
+          <p:cNvPr id="11" name="Google Shape;143;p14"/>
           <p:cNvSpPr txBox="1"/>
           <p:nvPr/>
         </p:nvSpPr>
         <p:spPr>
           <a:xfrm>
-            <a:off x="7974450" y="3919725"/>
-            <a:ext cx="1328700" cy="531900"/>
+            <a:off x="7638125" y="2407697"/>
+            <a:ext cx="2327700" cy="531900"/>
           </a:xfrm>
           <a:prstGeom prst="rect">
             <a:avLst/>
@@ -12040,14 +12010,30 @@
               <a:buNone/>
             </a:pPr>
             <a:r>
-              <a:rPr lang="en">
+              <a:rPr lang="en" dirty="0">
                 <a:solidFill>
                   <a:srgbClr val="FFFFFF"/>
                 </a:solidFill>
               </a:rPr>
-              <a:t>(Image 3)</a:t>
+              <a:t>(Image </a:t>
             </a:r>
-            <a:endParaRPr>
+            <a:r>
+              <a:rPr lang="en-US" dirty="0" smtClean="0">
+                <a:solidFill>
+                  <a:srgbClr val="FFFFFF"/>
+                </a:solidFill>
+              </a:rPr>
+              <a:t>2</a:t>
+            </a:r>
+            <a:r>
+              <a:rPr lang="en" dirty="0" smtClean="0">
+                <a:solidFill>
+                  <a:srgbClr val="FFFFFF"/>
+                </a:solidFill>
+              </a:rPr>
+              <a:t>)</a:t>
+            </a:r>
+            <a:endParaRPr dirty="0">
               <a:solidFill>
                 <a:srgbClr val="FFFFFF"/>
               </a:solidFill>
@@ -12055,9 +12041,84 @@
           </a:p>
         </p:txBody>
       </p:sp>
+    </p:spTree>
+    <p:extLst>
+      <p:ext uri="{BB962C8B-B14F-4D97-AF65-F5344CB8AC3E}">
+        <p14:creationId xmlns:p14="http://schemas.microsoft.com/office/powerpoint/2010/main" val="2040170252"/>
+      </p:ext>
+    </p:extLst>
+  </p:cSld>
+  <p:clrMapOvr>
+    <a:masterClrMapping/>
+  </p:clrMapOvr>
+  <p:timing>
+    <p:tnLst>
+      <p:par>
+        <p:cTn id="1" dur="indefinite" restart="never" nodeType="tmRoot"/>
+      </p:par>
+    </p:tnLst>
+  </p:timing>
+</p:sld>
+</file>
+
+<file path=ppt/slides/slide6.xml><?xml version="1.0" encoding="utf-8"?>
+<p:sld xmlns:a="http://schemas.openxmlformats.org/drawingml/2006/main" xmlns:r="http://schemas.openxmlformats.org/officeDocument/2006/relationships" xmlns:p="http://schemas.openxmlformats.org/presentationml/2006/main">
+  <p:cSld>
+    <p:spTree>
+      <p:nvGrpSpPr>
+        <p:cNvPr id="1" name=""/>
+        <p:cNvGrpSpPr/>
+        <p:nvPr/>
+      </p:nvGrpSpPr>
+      <p:grpSpPr>
+        <a:xfrm>
+          <a:off x="0" y="0"/>
+          <a:ext cx="0" cy="0"/>
+          <a:chOff x="0" y="0"/>
+          <a:chExt cx="0" cy="0"/>
+        </a:xfrm>
+      </p:grpSpPr>
       <p:sp>
         <p:nvSpPr>
-          <p:cNvPr id="2" name="Slide Number Placeholder 1"/>
+          <p:cNvPr id="3" name="Text Placeholder 2"/>
+          <p:cNvSpPr>
+            <a:spLocks noGrp="1"/>
+          </p:cNvSpPr>
+          <p:nvPr>
+            <p:ph type="body" idx="1"/>
+          </p:nvPr>
+        </p:nvSpPr>
+        <p:spPr/>
+        <p:txBody>
+          <a:bodyPr/>
+          <a:lstStyle/>
+          <a:p>
+            <a:endParaRPr lang="en-US"/>
+          </a:p>
+        </p:txBody>
+      </p:sp>
+      <p:sp>
+        <p:nvSpPr>
+          <p:cNvPr id="4" name="Text Placeholder 3"/>
+          <p:cNvSpPr>
+            <a:spLocks noGrp="1"/>
+          </p:cNvSpPr>
+          <p:nvPr>
+            <p:ph type="body" idx="2"/>
+          </p:nvPr>
+        </p:nvSpPr>
+        <p:spPr/>
+        <p:txBody>
+          <a:bodyPr/>
+          <a:lstStyle/>
+          <a:p>
+            <a:endParaRPr lang="en-US"/>
+          </a:p>
+        </p:txBody>
+      </p:sp>
+      <p:sp>
+        <p:nvSpPr>
+          <p:cNvPr id="5" name="Slide Number Placeholder 4"/>
           <p:cNvSpPr>
             <a:spLocks noGrp="1"/>
           </p:cNvSpPr>
@@ -12087,40 +12148,21 @@
           </a:p>
         </p:txBody>
       </p:sp>
-    </p:spTree>
-  </p:cSld>
-  <p:clrMapOvr>
-    <a:masterClrMapping/>
-  </p:clrMapOvr>
-</p:sld>
-</file>
-
-<file path=ppt/slides/slide7.xml><?xml version="1.0" encoding="utf-8"?>
-<p:sld xmlns:a="http://schemas.openxmlformats.org/drawingml/2006/main" xmlns:r="http://schemas.openxmlformats.org/officeDocument/2006/relationships" xmlns:p="http://schemas.openxmlformats.org/presentationml/2006/main">
-  <p:cSld>
-    <p:spTree>
-      <p:nvGrpSpPr>
-        <p:cNvPr id="1" name="Shape 172"/>
-        <p:cNvGrpSpPr/>
-        <p:nvPr/>
-      </p:nvGrpSpPr>
-      <p:grpSpPr>
-        <a:xfrm>
-          <a:off x="0" y="0"/>
-          <a:ext cx="0" cy="0"/>
-          <a:chOff x="0" y="0"/>
-          <a:chExt cx="0" cy="0"/>
-        </a:xfrm>
-      </p:grpSpPr>
       <p:pic>
         <p:nvPicPr>
-          <p:cNvPr id="173" name="Google Shape;173;p19"/>
-          <p:cNvPicPr preferRelativeResize="0"/>
+          <p:cNvPr id="6" name="Picture 5"/>
+          <p:cNvPicPr>
+            <a:picLocks noChangeAspect="1"/>
+          </p:cNvPicPr>
           <p:nvPr/>
         </p:nvPicPr>
         <p:blipFill>
-          <a:blip r:embed="rId3">
-            <a:alphaModFix/>
+          <a:blip r:embed="rId2">
+            <a:extLst>
+              <a:ext uri="{28A0092B-C50C-407E-A947-70E740481C1C}">
+                <a14:useLocalDpi xmlns:a14="http://schemas.microsoft.com/office/drawing/2010/main" val="0"/>
+              </a:ext>
+            </a:extLst>
           </a:blip>
           <a:stretch>
             <a:fillRect/>
@@ -12128,28 +12170,24 @@
         </p:blipFill>
         <p:spPr>
           <a:xfrm>
-            <a:off x="0" y="1554778"/>
-            <a:ext cx="9144000" cy="2501444"/>
+            <a:off x="0" y="832785"/>
+            <a:ext cx="9144000" cy="4380729"/>
           </a:xfrm>
           <a:prstGeom prst="rect">
             <a:avLst/>
           </a:prstGeom>
-          <a:noFill/>
-          <a:ln>
-            <a:noFill/>
-          </a:ln>
         </p:spPr>
       </p:pic>
       <p:sp>
         <p:nvSpPr>
-          <p:cNvPr id="174" name="Google Shape;174;p19"/>
+          <p:cNvPr id="7" name="Google Shape;143;p14"/>
           <p:cNvSpPr txBox="1"/>
           <p:nvPr/>
         </p:nvSpPr>
         <p:spPr>
           <a:xfrm>
-            <a:off x="7815300" y="4056225"/>
-            <a:ext cx="1328700" cy="531900"/>
+            <a:off x="7980150" y="402318"/>
+            <a:ext cx="2327700" cy="531900"/>
           </a:xfrm>
           <a:prstGeom prst="rect">
             <a:avLst/>
@@ -12175,14 +12213,30 @@
               <a:buNone/>
             </a:pPr>
             <a:r>
-              <a:rPr lang="en">
+              <a:rPr lang="en" dirty="0">
                 <a:solidFill>
                   <a:srgbClr val="FFFFFF"/>
                 </a:solidFill>
               </a:rPr>
-              <a:t>(Image 4)</a:t>
+              <a:t>(Image </a:t>
             </a:r>
-            <a:endParaRPr>
+            <a:r>
+              <a:rPr lang="en-US" dirty="0" smtClean="0">
+                <a:solidFill>
+                  <a:srgbClr val="FFFFFF"/>
+                </a:solidFill>
+              </a:rPr>
+              <a:t>4</a:t>
+            </a:r>
+            <a:r>
+              <a:rPr lang="en" dirty="0" smtClean="0">
+                <a:solidFill>
+                  <a:srgbClr val="FFFFFF"/>
+                </a:solidFill>
+              </a:rPr>
+              <a:t>)</a:t>
+            </a:r>
+            <a:endParaRPr dirty="0">
               <a:solidFill>
                 <a:srgbClr val="FFFFFF"/>
               </a:solidFill>
@@ -12190,9 +12244,46 @@
           </a:p>
         </p:txBody>
       </p:sp>
+    </p:spTree>
+    <p:extLst>
+      <p:ext uri="{BB962C8B-B14F-4D97-AF65-F5344CB8AC3E}">
+        <p14:creationId xmlns:p14="http://schemas.microsoft.com/office/powerpoint/2010/main" val="2076932259"/>
+      </p:ext>
+    </p:extLst>
+  </p:cSld>
+  <p:clrMapOvr>
+    <a:masterClrMapping/>
+  </p:clrMapOvr>
+  <p:timing>
+    <p:tnLst>
+      <p:par>
+        <p:cTn id="1" dur="indefinite" restart="never" nodeType="tmRoot"/>
+      </p:par>
+    </p:tnLst>
+  </p:timing>
+</p:sld>
+</file>
+
+<file path=ppt/slides/slide7.xml><?xml version="1.0" encoding="utf-8"?>
+<p:sld xmlns:a="http://schemas.openxmlformats.org/drawingml/2006/main" xmlns:r="http://schemas.openxmlformats.org/officeDocument/2006/relationships" xmlns:p="http://schemas.openxmlformats.org/presentationml/2006/main">
+  <p:cSld>
+    <p:spTree>
+      <p:nvGrpSpPr>
+        <p:cNvPr id="1" name=""/>
+        <p:cNvGrpSpPr/>
+        <p:nvPr/>
+      </p:nvGrpSpPr>
+      <p:grpSpPr>
+        <a:xfrm>
+          <a:off x="0" y="0"/>
+          <a:ext cx="0" cy="0"/>
+          <a:chOff x="0" y="0"/>
+          <a:chExt cx="0" cy="0"/>
+        </a:xfrm>
+      </p:grpSpPr>
       <p:sp>
         <p:nvSpPr>
-          <p:cNvPr id="2" name="Slide Number Placeholder 1"/>
+          <p:cNvPr id="5" name="Slide Number Placeholder 4"/>
           <p:cNvSpPr>
             <a:spLocks noGrp="1"/>
           </p:cNvSpPr>
@@ -12222,15 +12313,156 @@
           </a:p>
         </p:txBody>
       </p:sp>
+      <p:pic>
+        <p:nvPicPr>
+          <p:cNvPr id="6" name="Picture 5"/>
+          <p:cNvPicPr>
+            <a:picLocks noChangeAspect="1"/>
+          </p:cNvPicPr>
+          <p:nvPr/>
+        </p:nvPicPr>
+        <p:blipFill>
+          <a:blip r:embed="rId2">
+            <a:extLst>
+              <a:ext uri="{28A0092B-C50C-407E-A947-70E740481C1C}">
+                <a14:useLocalDpi xmlns:a14="http://schemas.microsoft.com/office/drawing/2010/main" val="0"/>
+              </a:ext>
+            </a:extLst>
+          </a:blip>
+          <a:stretch>
+            <a:fillRect/>
+          </a:stretch>
+        </p:blipFill>
+        <p:spPr>
+          <a:xfrm>
+            <a:off x="1524000" y="558800"/>
+            <a:ext cx="6096000" cy="4013200"/>
+          </a:xfrm>
+          <a:prstGeom prst="rect">
+            <a:avLst/>
+          </a:prstGeom>
+        </p:spPr>
+      </p:pic>
     </p:spTree>
+    <p:extLst>
+      <p:ext uri="{BB962C8B-B14F-4D97-AF65-F5344CB8AC3E}">
+        <p14:creationId xmlns:p14="http://schemas.microsoft.com/office/powerpoint/2010/main" val="2061770115"/>
+      </p:ext>
+    </p:extLst>
   </p:cSld>
   <p:clrMapOvr>
     <a:masterClrMapping/>
   </p:clrMapOvr>
+  <p:timing>
+    <p:tnLst>
+      <p:par>
+        <p:cTn id="1" dur="indefinite" restart="never" nodeType="tmRoot"/>
+      </p:par>
+    </p:tnLst>
+  </p:timing>
 </p:sld>
 </file>
 
 <file path=ppt/slides/slide8.xml><?xml version="1.0" encoding="utf-8"?>
+<p:sld xmlns:a="http://schemas.openxmlformats.org/drawingml/2006/main" xmlns:r="http://schemas.openxmlformats.org/officeDocument/2006/relationships" xmlns:p="http://schemas.openxmlformats.org/presentationml/2006/main">
+  <p:cSld>
+    <p:spTree>
+      <p:nvGrpSpPr>
+        <p:cNvPr id="1" name=""/>
+        <p:cNvGrpSpPr/>
+        <p:nvPr/>
+      </p:nvGrpSpPr>
+      <p:grpSpPr>
+        <a:xfrm>
+          <a:off x="0" y="0"/>
+          <a:ext cx="0" cy="0"/>
+          <a:chOff x="0" y="0"/>
+          <a:chExt cx="0" cy="0"/>
+        </a:xfrm>
+      </p:grpSpPr>
+      <p:sp>
+        <p:nvSpPr>
+          <p:cNvPr id="5" name="Slide Number Placeholder 4"/>
+          <p:cNvSpPr>
+            <a:spLocks noGrp="1"/>
+          </p:cNvSpPr>
+          <p:nvPr>
+            <p:ph type="sldNum" idx="12"/>
+          </p:nvPr>
+        </p:nvSpPr>
+        <p:spPr/>
+        <p:txBody>
+          <a:bodyPr/>
+          <a:lstStyle/>
+          <a:p>
+            <a:pPr marL="0" lvl="0" indent="0" algn="r" rtl="0">
+              <a:spcBef>
+                <a:spcPts val="0"/>
+              </a:spcBef>
+              <a:spcAft>
+                <a:spcPts val="0"/>
+              </a:spcAft>
+              <a:buNone/>
+            </a:pPr>
+            <a:fld id="{00000000-1234-1234-1234-123412341234}" type="slidenum">
+              <a:rPr lang="uk-UA" smtClean="0"/>
+              <a:t>8</a:t>
+            </a:fld>
+            <a:endParaRPr lang="uk-UA"/>
+          </a:p>
+        </p:txBody>
+      </p:sp>
+      <p:pic>
+        <p:nvPicPr>
+          <p:cNvPr id="6" name="Picture 5"/>
+          <p:cNvPicPr>
+            <a:picLocks noChangeAspect="1"/>
+          </p:cNvPicPr>
+          <p:nvPr/>
+        </p:nvPicPr>
+        <p:blipFill>
+          <a:blip r:embed="rId2">
+            <a:extLst>
+              <a:ext uri="{28A0092B-C50C-407E-A947-70E740481C1C}">
+                <a14:useLocalDpi xmlns:a14="http://schemas.microsoft.com/office/drawing/2010/main" val="0"/>
+              </a:ext>
+            </a:extLst>
+          </a:blip>
+          <a:stretch>
+            <a:fillRect/>
+          </a:stretch>
+        </p:blipFill>
+        <p:spPr>
+          <a:xfrm>
+            <a:off x="1524000" y="0"/>
+            <a:ext cx="6081921" cy="5143500"/>
+          </a:xfrm>
+          <a:prstGeom prst="rect">
+            <a:avLst/>
+          </a:prstGeom>
+        </p:spPr>
+      </p:pic>
+    </p:spTree>
+    <p:extLst>
+      <p:ext uri="{BB962C8B-B14F-4D97-AF65-F5344CB8AC3E}">
+        <p14:creationId xmlns:p14="http://schemas.microsoft.com/office/powerpoint/2010/main" val="951033115"/>
+      </p:ext>
+    </p:extLst>
+  </p:cSld>
+  <p:clrMapOvr>
+    <a:masterClrMapping/>
+  </p:clrMapOvr>
+  <p:timing>
+    <p:tnLst>
+      <p:par>
+        <p:cTn id="1" dur="indefinite" restart="never" nodeType="tmRoot"/>
+      </p:par>
+    </p:tnLst>
+  </p:timing>
+</p:sld>
+</file>
+
+<file path=ppt/slides/slide9.xml><?xml version="1.0" encoding="utf-8"?>
 <p:sld xmlns:a="http://schemas.openxmlformats.org/drawingml/2006/main" xmlns:r="http://schemas.openxmlformats.org/officeDocument/2006/relationships" xmlns:p="http://schemas.openxmlformats.org/presentationml/2006/main">
   <p:cSld>
     <p:spTree>
@@ -12407,7 +12639,79 @@
                 <a:cs typeface="Montserrat"/>
                 <a:sym typeface="Montserrat"/>
               </a:rPr>
-              <a:t>●Risk Exposure: RE = 100% * 3hr = 3hr</a:t>
+              <a:t>●Risk Exposure: RE = 100% * </a:t>
+            </a:r>
+            <a:r>
+              <a:rPr lang="en-US" sz="1400" dirty="0" smtClean="0">
+                <a:solidFill>
+                  <a:srgbClr val="FFFFFF"/>
+                </a:solidFill>
+                <a:latin typeface="Montserrat"/>
+                <a:ea typeface="Montserrat"/>
+                <a:cs typeface="Montserrat"/>
+                <a:sym typeface="Montserrat"/>
+              </a:rPr>
+              <a:t>10 </a:t>
+            </a:r>
+            <a:r>
+              <a:rPr lang="en" sz="1400" dirty="0" err="1" smtClean="0">
+                <a:solidFill>
+                  <a:srgbClr val="FFFFFF"/>
+                </a:solidFill>
+                <a:latin typeface="Montserrat"/>
+                <a:ea typeface="Montserrat"/>
+                <a:cs typeface="Montserrat"/>
+                <a:sym typeface="Montserrat"/>
+              </a:rPr>
+              <a:t>hr</a:t>
+            </a:r>
+            <a:r>
+              <a:rPr lang="en" sz="1400" dirty="0" smtClean="0">
+                <a:solidFill>
+                  <a:srgbClr val="FFFFFF"/>
+                </a:solidFill>
+                <a:latin typeface="Montserrat"/>
+                <a:ea typeface="Montserrat"/>
+                <a:cs typeface="Montserrat"/>
+                <a:sym typeface="Montserrat"/>
+              </a:rPr>
+              <a:t> </a:t>
+            </a:r>
+            <a:r>
+              <a:rPr lang="en" sz="1400" dirty="0">
+                <a:solidFill>
+                  <a:srgbClr val="FFFFFF"/>
+                </a:solidFill>
+                <a:latin typeface="Montserrat"/>
+                <a:ea typeface="Montserrat"/>
+                <a:cs typeface="Montserrat"/>
+                <a:sym typeface="Montserrat"/>
+              </a:rPr>
+              <a:t>= </a:t>
+            </a:r>
+            <a:r>
+              <a:rPr lang="en-US" sz="1400" dirty="0" smtClean="0">
+                <a:solidFill>
+                  <a:srgbClr val="FFFFFF"/>
+                </a:solidFill>
+                <a:latin typeface="Montserrat"/>
+                <a:ea typeface="Montserrat"/>
+                <a:cs typeface="Montserrat"/>
+                <a:sym typeface="Montserrat"/>
+              </a:rPr>
+              <a:t>10 </a:t>
+            </a:r>
+            <a:r>
+              <a:rPr lang="en" sz="1400" dirty="0" err="1" smtClean="0">
+                <a:solidFill>
+                  <a:srgbClr val="FFFFFF"/>
+                </a:solidFill>
+                <a:latin typeface="Montserrat"/>
+                <a:ea typeface="Montserrat"/>
+                <a:cs typeface="Montserrat"/>
+                <a:sym typeface="Montserrat"/>
+              </a:rPr>
+              <a:t>hr</a:t>
             </a:r>
             <a:endParaRPr sz="1400" dirty="0">
               <a:solidFill>
@@ -12590,278 +12894,6 @@
             </a:pPr>
             <a:fld id="{00000000-1234-1234-1234-123412341234}" type="slidenum">
               <a:rPr lang="uk-UA" smtClean="0"/>
-              <a:t>8</a:t>
-            </a:fld>
-            <a:endParaRPr lang="uk-UA"/>
-          </a:p>
-        </p:txBody>
-      </p:sp>
-    </p:spTree>
-  </p:cSld>
-  <p:clrMapOvr>
-    <a:masterClrMapping/>
-  </p:clrMapOvr>
-</p:sld>
-</file>
-
-<file path=ppt/slides/slide9.xml><?xml version="1.0" encoding="utf-8"?>
-<p:sld xmlns:a="http://schemas.openxmlformats.org/drawingml/2006/main" xmlns:r="http://schemas.openxmlformats.org/officeDocument/2006/relationships" xmlns:p="http://schemas.openxmlformats.org/presentationml/2006/main">
-  <p:cSld>
-    <p:spTree>
-      <p:nvGrpSpPr>
-        <p:cNvPr id="1" name="Shape 184"/>
-        <p:cNvGrpSpPr/>
-        <p:nvPr/>
-      </p:nvGrpSpPr>
-      <p:grpSpPr>
-        <a:xfrm>
-          <a:off x="0" y="0"/>
-          <a:ext cx="0" cy="0"/>
-          <a:chOff x="0" y="0"/>
-          <a:chExt cx="0" cy="0"/>
-        </a:xfrm>
-      </p:grpSpPr>
-      <p:sp>
-        <p:nvSpPr>
-          <p:cNvPr id="185" name="Google Shape;185;p21"/>
-          <p:cNvSpPr txBox="1">
-            <a:spLocks noGrp="1"/>
-          </p:cNvSpPr>
-          <p:nvPr>
-            <p:ph type="title"/>
-          </p:nvPr>
-        </p:nvSpPr>
-        <p:spPr>
-          <a:xfrm>
-            <a:off x="1297500" y="393750"/>
-            <a:ext cx="7038900" cy="914100"/>
-          </a:xfrm>
-          <a:prstGeom prst="rect">
-            <a:avLst/>
-          </a:prstGeom>
-        </p:spPr>
-        <p:txBody>
-          <a:bodyPr spcFirstLastPara="1" wrap="square" lIns="91425" tIns="91425" rIns="91425" bIns="91425" anchor="t" anchorCtr="0">
-            <a:noAutofit/>
-          </a:bodyPr>
-          <a:lstStyle/>
-          <a:p>
-            <a:pPr marL="0" lvl="0" indent="0" algn="l" rtl="0">
-              <a:spcBef>
-                <a:spcPts val="0"/>
-              </a:spcBef>
-              <a:spcAft>
-                <a:spcPts val="0"/>
-              </a:spcAft>
-              <a:buNone/>
-            </a:pPr>
-            <a:r>
-              <a:rPr lang="en"/>
-              <a:t>Addressing the Review Team</a:t>
-            </a:r>
-            <a:endParaRPr/>
-          </a:p>
-        </p:txBody>
-      </p:sp>
-      <p:sp>
-        <p:nvSpPr>
-          <p:cNvPr id="186" name="Google Shape;186;p21"/>
-          <p:cNvSpPr txBox="1">
-            <a:spLocks noGrp="1"/>
-          </p:cNvSpPr>
-          <p:nvPr>
-            <p:ph type="body" idx="1"/>
-          </p:nvPr>
-        </p:nvSpPr>
-        <p:spPr>
-          <a:xfrm>
-            <a:off x="1108550" y="1380100"/>
-            <a:ext cx="3403200" cy="2911200"/>
-          </a:xfrm>
-          <a:prstGeom prst="rect">
-            <a:avLst/>
-          </a:prstGeom>
-        </p:spPr>
-        <p:txBody>
-          <a:bodyPr spcFirstLastPara="1" wrap="square" lIns="91425" tIns="91425" rIns="91425" bIns="91425" anchor="t" anchorCtr="0">
-            <a:noAutofit/>
-          </a:bodyPr>
-          <a:lstStyle/>
-          <a:p>
-            <a:pPr marL="0" lvl="0" indent="0" algn="l" rtl="0">
-              <a:spcBef>
-                <a:spcPts val="0"/>
-              </a:spcBef>
-              <a:spcAft>
-                <a:spcPts val="0"/>
-              </a:spcAft>
-              <a:buNone/>
-            </a:pPr>
-            <a:r>
-              <a:rPr lang="en" sz="1400">
-                <a:solidFill>
-                  <a:srgbClr val="FFFFFF"/>
-                </a:solidFill>
-                <a:latin typeface="Arial"/>
-                <a:ea typeface="Arial"/>
-                <a:cs typeface="Arial"/>
-                <a:sym typeface="Arial"/>
-              </a:rPr>
-              <a:t>Question 1: This app has features of Text Recognition, which uses Amazon Recognition API, that requires network connectivity. But on documentation, it says, “The app does not rely on network connectivity, everything is done locally in the app.” How would you justify that?</a:t>
-            </a:r>
-            <a:endParaRPr sz="1400">
-              <a:solidFill>
-                <a:srgbClr val="FFFFFF"/>
-              </a:solidFill>
-              <a:latin typeface="Arial"/>
-              <a:ea typeface="Arial"/>
-              <a:cs typeface="Arial"/>
-              <a:sym typeface="Arial"/>
-            </a:endParaRPr>
-          </a:p>
-          <a:p>
-            <a:pPr marL="457200" lvl="0" indent="-317500" algn="l" rtl="0">
-              <a:spcBef>
-                <a:spcPts val="1600"/>
-              </a:spcBef>
-              <a:spcAft>
-                <a:spcPts val="0"/>
-              </a:spcAft>
-              <a:buClr>
-                <a:srgbClr val="FFFFFF"/>
-              </a:buClr>
-              <a:buSzPts val="1400"/>
-              <a:buFont typeface="Arial"/>
-              <a:buChar char="●"/>
-            </a:pPr>
-            <a:r>
-              <a:rPr lang="en" sz="1400">
-                <a:solidFill>
-                  <a:srgbClr val="FFFFFF"/>
-                </a:solidFill>
-                <a:latin typeface="Arial"/>
-                <a:ea typeface="Arial"/>
-                <a:cs typeface="Arial"/>
-                <a:sym typeface="Arial"/>
-              </a:rPr>
-              <a:t>The team is no longer relying on an Amazon's API, they will be creating their own machine learning model through Apple's Core ML technology.</a:t>
-            </a:r>
-            <a:endParaRPr sz="1400">
-              <a:solidFill>
-                <a:srgbClr val="FFFFFF"/>
-              </a:solidFill>
-              <a:latin typeface="Arial"/>
-              <a:ea typeface="Arial"/>
-              <a:cs typeface="Arial"/>
-              <a:sym typeface="Arial"/>
-            </a:endParaRPr>
-          </a:p>
-        </p:txBody>
-      </p:sp>
-      <p:pic>
-        <p:nvPicPr>
-          <p:cNvPr id="187" name="Google Shape;187;p21"/>
-          <p:cNvPicPr preferRelativeResize="0"/>
-          <p:nvPr/>
-        </p:nvPicPr>
-        <p:blipFill>
-          <a:blip r:embed="rId3">
-            <a:alphaModFix/>
-          </a:blip>
-          <a:stretch>
-            <a:fillRect/>
-          </a:stretch>
-        </p:blipFill>
-        <p:spPr>
-          <a:xfrm>
-            <a:off x="4887900" y="1567550"/>
-            <a:ext cx="3989651" cy="2536300"/>
-          </a:xfrm>
-          <a:prstGeom prst="rect">
-            <a:avLst/>
-          </a:prstGeom>
-          <a:noFill/>
-          <a:ln>
-            <a:noFill/>
-          </a:ln>
-        </p:spPr>
-      </p:pic>
-      <p:sp>
-        <p:nvSpPr>
-          <p:cNvPr id="188" name="Google Shape;188;p21"/>
-          <p:cNvSpPr txBox="1"/>
-          <p:nvPr/>
-        </p:nvSpPr>
-        <p:spPr>
-          <a:xfrm>
-            <a:off x="4887900" y="4189650"/>
-            <a:ext cx="3989700" cy="811500"/>
-          </a:xfrm>
-          <a:prstGeom prst="rect">
-            <a:avLst/>
-          </a:prstGeom>
-          <a:noFill/>
-          <a:ln>
-            <a:noFill/>
-          </a:ln>
-        </p:spPr>
-        <p:txBody>
-          <a:bodyPr spcFirstLastPara="1" wrap="square" lIns="91425" tIns="91425" rIns="91425" bIns="91425" anchor="t" anchorCtr="0">
-            <a:noAutofit/>
-          </a:bodyPr>
-          <a:lstStyle/>
-          <a:p>
-            <a:pPr marL="0" lvl="0" indent="0" algn="l" rtl="0">
-              <a:spcBef>
-                <a:spcPts val="0"/>
-              </a:spcBef>
-              <a:spcAft>
-                <a:spcPts val="0"/>
-              </a:spcAft>
-              <a:buNone/>
-            </a:pPr>
-            <a:r>
-              <a:rPr lang="en">
-                <a:solidFill>
-                  <a:srgbClr val="FFFFFF"/>
-                </a:solidFill>
-              </a:rPr>
-              <a:t>(Image 5)</a:t>
-            </a:r>
-            <a:endParaRPr>
-              <a:solidFill>
-                <a:srgbClr val="FFFFFF"/>
-              </a:solidFill>
-            </a:endParaRPr>
-          </a:p>
-        </p:txBody>
-      </p:sp>
-      <p:sp>
-        <p:nvSpPr>
-          <p:cNvPr id="2" name="Slide Number Placeholder 1"/>
-          <p:cNvSpPr>
-            <a:spLocks noGrp="1"/>
-          </p:cNvSpPr>
-          <p:nvPr>
-            <p:ph type="sldNum" idx="12"/>
-          </p:nvPr>
-        </p:nvSpPr>
-        <p:spPr/>
-        <p:txBody>
-          <a:bodyPr/>
-          <a:lstStyle/>
-          <a:p>
-            <a:pPr marL="0" lvl="0" indent="0" algn="r" rtl="0">
-              <a:spcBef>
-                <a:spcPts val="0"/>
-              </a:spcBef>
-              <a:spcAft>
-                <a:spcPts val="0"/>
-              </a:spcAft>
-              <a:buNone/>
-            </a:pPr>
-            <a:fld id="{00000000-1234-1234-1234-123412341234}" type="slidenum">
-              <a:rPr lang="uk-UA" smtClean="0"/>
               <a:t>9</a:t>
             </a:fld>
             <a:endParaRPr lang="uk-UA"/>
@@ -12873,6 +12905,13 @@
   <p:clrMapOvr>
     <a:masterClrMapping/>
   </p:clrMapOvr>
+  <p:timing>
+    <p:tnLst>
+      <p:par>
+        <p:cTn id="1" dur="indefinite" restart="never" nodeType="tmRoot"/>
+      </p:par>
+    </p:tnLst>
+  </p:timing>
 </p:sld>
 </file>
 
